--- a/Docs/presentation/ENET_FT1_presentation.pptx
+++ b/Docs/presentation/ENET_FT1_presentation.pptx
@@ -7167,7 +7167,7 @@
         <p:spPr>
           <a:xfrm>
             <a:off x="971600" y="1628800"/>
-            <a:ext cx="7200800" cy="4608512"/>
+            <a:ext cx="6624736" cy="3384376"/>
           </a:xfrm>
         </p:spPr>
         <p:txBody>
@@ -7206,7 +7206,7 @@
             </a:r>
           </a:p>
           <a:p>
-            <a:pPr marL="457200" indent="-457200" algn="l">
+            <a:pPr marL="457200" indent="-457200">
               <a:buFont typeface="Wingdings" panose="05000000000000000000" pitchFamily="2" charset="2"/>
               <a:buChar char="Ø"/>
             </a:pPr>
@@ -7218,8 +7218,25 @@
                 <a:latin typeface="Times New Roman" pitchFamily="18" charset="0"/>
                 <a:cs typeface="Times New Roman" pitchFamily="18" charset="0"/>
               </a:rPr>
-              <a:t>Code walkthrough</a:t>
-            </a:r>
+              <a:t>Code </a:t>
+            </a:r>
+            <a:r>
+              <a:rPr lang="en-US" altLang="zh-CN" dirty="0">
+                <a:solidFill>
+                  <a:schemeClr val="tx1"/>
+                </a:solidFill>
+                <a:latin typeface="Times New Roman" pitchFamily="18" charset="0"/>
+                <a:cs typeface="Times New Roman" pitchFamily="18" charset="0"/>
+              </a:rPr>
+              <a:t>walkthrough &amp; demo</a:t>
+            </a:r>
+            <a:endParaRPr lang="en-US" altLang="zh-CN" dirty="0" smtClean="0">
+              <a:solidFill>
+                <a:schemeClr val="tx1"/>
+              </a:solidFill>
+              <a:latin typeface="Times New Roman" pitchFamily="18" charset="0"/>
+              <a:cs typeface="Times New Roman" pitchFamily="18" charset="0"/>
+            </a:endParaRPr>
           </a:p>
           <a:p>
             <a:pPr marL="457200" indent="-457200" algn="l">
@@ -7234,14 +7251,8 @@
                 <a:latin typeface="Times New Roman" pitchFamily="18" charset="0"/>
                 <a:cs typeface="Times New Roman" pitchFamily="18" charset="0"/>
               </a:rPr>
-              <a:t>System demo</a:t>
-            </a:r>
-          </a:p>
-          <a:p>
-            <a:pPr marL="457200" indent="-457200" algn="l">
-              <a:buFont typeface="Wingdings" panose="05000000000000000000" pitchFamily="2" charset="2"/>
-              <a:buChar char="Ø"/>
-            </a:pPr>
+              <a:t>WCF </a:t>
+            </a:r>
             <a:r>
               <a:rPr lang="en-US" altLang="zh-CN" dirty="0" smtClean="0">
                 <a:solidFill>
@@ -7250,8 +7261,41 @@
                 <a:latin typeface="Times New Roman" pitchFamily="18" charset="0"/>
                 <a:cs typeface="Times New Roman" pitchFamily="18" charset="0"/>
               </a:rPr>
-              <a:t>WCF code walkthrough &amp; demo</a:t>
-            </a:r>
+              <a:t>code walkthrough &amp; </a:t>
+            </a:r>
+            <a:r>
+              <a:rPr lang="en-US" altLang="zh-CN" dirty="0" smtClean="0">
+                <a:solidFill>
+                  <a:schemeClr val="tx1"/>
+                </a:solidFill>
+                <a:latin typeface="Times New Roman" pitchFamily="18" charset="0"/>
+                <a:cs typeface="Times New Roman" pitchFamily="18" charset="0"/>
+              </a:rPr>
+              <a:t>demo</a:t>
+            </a:r>
+          </a:p>
+          <a:p>
+            <a:pPr marL="457200" indent="-457200">
+              <a:buFont typeface="Wingdings" panose="05000000000000000000" pitchFamily="2" charset="2"/>
+              <a:buChar char="Ø"/>
+            </a:pPr>
+            <a:r>
+              <a:rPr lang="en-US" altLang="zh-CN" dirty="0">
+                <a:solidFill>
+                  <a:schemeClr val="tx1"/>
+                </a:solidFill>
+                <a:latin typeface="Times New Roman" pitchFamily="18" charset="0"/>
+                <a:cs typeface="Times New Roman" pitchFamily="18" charset="0"/>
+              </a:rPr>
+              <a:t>Service layer binding &amp; security</a:t>
+            </a:r>
+            <a:endParaRPr lang="en-US" altLang="zh-CN" dirty="0" smtClean="0">
+              <a:solidFill>
+                <a:schemeClr val="tx1"/>
+              </a:solidFill>
+              <a:latin typeface="Times New Roman" pitchFamily="18" charset="0"/>
+              <a:cs typeface="Times New Roman" pitchFamily="18" charset="0"/>
+            </a:endParaRPr>
           </a:p>
           <a:p>
             <a:pPr marL="457200" indent="-457200" algn="l">
@@ -7274,16 +7318,6 @@
               <a:buFont typeface="Wingdings" panose="05000000000000000000" pitchFamily="2" charset="2"/>
               <a:buChar char="Ø"/>
             </a:pPr>
-            <a:r>
-              <a:rPr lang="en-US" altLang="zh-CN" dirty="0" smtClean="0">
-                <a:solidFill>
-                  <a:schemeClr val="tx1"/>
-                </a:solidFill>
-                <a:latin typeface="Times New Roman" pitchFamily="18" charset="0"/>
-                <a:cs typeface="Times New Roman" pitchFamily="18" charset="0"/>
-              </a:rPr>
-              <a:t>Service layer binding &amp; security</a:t>
-            </a:r>
             <a:endParaRPr lang="zh-CN" altLang="en-US" dirty="0">
               <a:solidFill>
                 <a:schemeClr val="tx1"/>
@@ -11018,13 +11052,8 @@
             <a:pPr lvl="1"/>
             <a:r>
               <a:rPr lang="en-US" altLang="zh-CN" dirty="0" smtClean="0"/>
-              <a:t>Attendance </a:t>
-            </a:r>
-            <a:r>
-              <a:rPr lang="en-US" altLang="zh-CN" dirty="0" smtClean="0"/>
-              <a:t>system</a:t>
-            </a:r>
-            <a:endParaRPr lang="en-US" altLang="zh-CN" dirty="0" smtClean="0"/>
+              <a:t>Attendance system</a:t>
+            </a:r>
           </a:p>
           <a:p>
             <a:pPr>

--- a/Docs/presentation/ENET_FT1_presentation.pptx
+++ b/Docs/presentation/ENET_FT1_presentation.pptx
@@ -117,7 +117,7 @@
   </p:defaultTextStyle>
   <p:extLst>
     <p:ext uri="{EFAFB233-063F-42B5-8137-9DF3F51BA10A}">
-      <p15:sldGuideLst xmlns:p15="http://schemas.microsoft.com/office/powerpoint/2012/main">
+      <p15:sldGuideLst xmlns:p15="http://schemas.microsoft.com/office/powerpoint/2012/main" xmlns="">
         <p15:guide id="1" orient="horz" pos="2160">
           <p15:clr>
             <a:srgbClr val="A4A3A4"/>
@@ -216,7 +216,8 @@
           <a:p>
             <a:fld id="{688D4497-BD68-4C84-AD45-B2C2CF68FF77}" type="datetimeFigureOut">
               <a:rPr lang="zh-CN" altLang="en-US" smtClean="0"/>
-              <a:t>2015/6/22</a:t>
+              <a:pPr/>
+              <a:t>2015/6/23</a:t>
             </a:fld>
             <a:endParaRPr lang="zh-CN" altLang="en-US"/>
           </a:p>
@@ -377,6 +378,7 @@
           <a:p>
             <a:fld id="{0D8387FF-CA20-467F-BA0A-70AD2059448D}" type="slidenum">
               <a:rPr lang="zh-CN" altLang="en-US" smtClean="0"/>
+              <a:pPr/>
               <a:t>‹#›</a:t>
             </a:fld>
             <a:endParaRPr lang="zh-CN" altLang="en-US"/>
@@ -386,7 +388,7 @@
     </p:spTree>
     <p:extLst>
       <p:ext uri="{BB962C8B-B14F-4D97-AF65-F5344CB8AC3E}">
-        <p14:creationId xmlns:p14="http://schemas.microsoft.com/office/powerpoint/2010/main" val="72100738"/>
+        <p14:creationId xmlns:p14="http://schemas.microsoft.com/office/powerpoint/2010/main" xmlns="" val="72100738"/>
       </p:ext>
     </p:extLst>
   </p:cSld>
@@ -722,6 +724,7 @@
           <a:p>
             <a:fld id="{0D8387FF-CA20-467F-BA0A-70AD2059448D}" type="slidenum">
               <a:rPr lang="zh-CN" altLang="en-US" smtClean="0"/>
+              <a:pPr/>
               <a:t>4</a:t>
             </a:fld>
             <a:endParaRPr lang="zh-CN" altLang="en-US"/>
@@ -731,7 +734,7 @@
     </p:spTree>
     <p:extLst>
       <p:ext uri="{BB962C8B-B14F-4D97-AF65-F5344CB8AC3E}">
-        <p14:creationId xmlns:p14="http://schemas.microsoft.com/office/powerpoint/2010/main" val="1053314717"/>
+        <p14:creationId xmlns:p14="http://schemas.microsoft.com/office/powerpoint/2010/main" xmlns="" val="1053314717"/>
       </p:ext>
     </p:extLst>
   </p:cSld>
@@ -866,6 +869,7 @@
           <a:p>
             <a:fld id="{0D8387FF-CA20-467F-BA0A-70AD2059448D}" type="slidenum">
               <a:rPr lang="zh-CN" altLang="en-US" smtClean="0"/>
+              <a:pPr/>
               <a:t>5</a:t>
             </a:fld>
             <a:endParaRPr lang="zh-CN" altLang="en-US"/>
@@ -875,7 +879,7 @@
     </p:spTree>
     <p:extLst>
       <p:ext uri="{BB962C8B-B14F-4D97-AF65-F5344CB8AC3E}">
-        <p14:creationId xmlns:p14="http://schemas.microsoft.com/office/powerpoint/2010/main" val="2312808557"/>
+        <p14:creationId xmlns:p14="http://schemas.microsoft.com/office/powerpoint/2010/main" xmlns="" val="2312808557"/>
       </p:ext>
     </p:extLst>
   </p:cSld>
@@ -950,6 +954,7 @@
           <a:p>
             <a:fld id="{0D8387FF-CA20-467F-BA0A-70AD2059448D}" type="slidenum">
               <a:rPr lang="zh-CN" altLang="en-US" smtClean="0"/>
+              <a:pPr/>
               <a:t>7</a:t>
             </a:fld>
             <a:endParaRPr lang="zh-CN" altLang="en-US"/>
@@ -959,7 +964,7 @@
     </p:spTree>
     <p:extLst>
       <p:ext uri="{BB962C8B-B14F-4D97-AF65-F5344CB8AC3E}">
-        <p14:creationId xmlns:p14="http://schemas.microsoft.com/office/powerpoint/2010/main" val="3803382466"/>
+        <p14:creationId xmlns:p14="http://schemas.microsoft.com/office/powerpoint/2010/main" xmlns="" val="3803382466"/>
       </p:ext>
     </p:extLst>
   </p:cSld>
@@ -1156,7 +1161,7 @@
             <a:fld id="{530820CF-B880-4189-942D-D702A7CBA730}" type="datetimeFigureOut">
               <a:rPr lang="zh-CN" altLang="en-US" smtClean="0"/>
               <a:pPr/>
-              <a:t>2015/6/22</a:t>
+              <a:t>2015/6/23</a:t>
             </a:fld>
             <a:endParaRPr lang="zh-CN" altLang="en-US"/>
           </a:p>
@@ -1208,7 +1213,7 @@
     </p:spTree>
     <p:extLst>
       <p:ext uri="{BB962C8B-B14F-4D97-AF65-F5344CB8AC3E}">
-        <p14:creationId xmlns:p14="http://schemas.microsoft.com/office/powerpoint/2010/main" val="3140642726"/>
+        <p14:creationId xmlns:p14="http://schemas.microsoft.com/office/powerpoint/2010/main" xmlns="" val="3140642726"/>
       </p:ext>
     </p:extLst>
   </p:cSld>
@@ -1433,7 +1438,7 @@
             <a:fld id="{530820CF-B880-4189-942D-D702A7CBA730}" type="datetimeFigureOut">
               <a:rPr lang="zh-CN" altLang="en-US" smtClean="0"/>
               <a:pPr/>
-              <a:t>2015/6/22</a:t>
+              <a:t>2015/6/23</a:t>
             </a:fld>
             <a:endParaRPr lang="zh-CN" altLang="en-US"/>
           </a:p>
@@ -1485,7 +1490,7 @@
     </p:spTree>
     <p:extLst>
       <p:ext uri="{BB962C8B-B14F-4D97-AF65-F5344CB8AC3E}">
-        <p14:creationId xmlns:p14="http://schemas.microsoft.com/office/powerpoint/2010/main" val="2016503657"/>
+        <p14:creationId xmlns:p14="http://schemas.microsoft.com/office/powerpoint/2010/main" xmlns="" val="2016503657"/>
       </p:ext>
     </p:extLst>
   </p:cSld>
@@ -1629,7 +1634,7 @@
             <a:fld id="{530820CF-B880-4189-942D-D702A7CBA730}" type="datetimeFigureOut">
               <a:rPr lang="zh-CN" altLang="en-US" smtClean="0"/>
               <a:pPr/>
-              <a:t>2015/6/22</a:t>
+              <a:t>2015/6/23</a:t>
             </a:fld>
             <a:endParaRPr lang="zh-CN" altLang="en-US"/>
           </a:p>
@@ -1681,7 +1686,7 @@
     </p:spTree>
     <p:extLst>
       <p:ext uri="{BB962C8B-B14F-4D97-AF65-F5344CB8AC3E}">
-        <p14:creationId xmlns:p14="http://schemas.microsoft.com/office/powerpoint/2010/main" val="3961231816"/>
+        <p14:creationId xmlns:p14="http://schemas.microsoft.com/office/powerpoint/2010/main" xmlns="" val="3961231816"/>
       </p:ext>
     </p:extLst>
   </p:cSld>
@@ -1904,7 +1909,7 @@
             <a:fld id="{530820CF-B880-4189-942D-D702A7CBA730}" type="datetimeFigureOut">
               <a:rPr lang="zh-CN" altLang="en-US" smtClean="0"/>
               <a:pPr/>
-              <a:t>2015/6/22</a:t>
+              <a:t>2015/6/23</a:t>
             </a:fld>
             <a:endParaRPr lang="zh-CN" altLang="en-US"/>
           </a:p>
@@ -2050,7 +2055,7 @@
     </p:spTree>
     <p:extLst>
       <p:ext uri="{BB962C8B-B14F-4D97-AF65-F5344CB8AC3E}">
-        <p14:creationId xmlns:p14="http://schemas.microsoft.com/office/powerpoint/2010/main" val="3412427439"/>
+        <p14:creationId xmlns:p14="http://schemas.microsoft.com/office/powerpoint/2010/main" xmlns="" val="3412427439"/>
       </p:ext>
     </p:extLst>
   </p:cSld>
@@ -2247,7 +2252,7 @@
             <a:fld id="{530820CF-B880-4189-942D-D702A7CBA730}" type="datetimeFigureOut">
               <a:rPr lang="zh-CN" altLang="en-US" smtClean="0"/>
               <a:pPr/>
-              <a:t>2015/6/22</a:t>
+              <a:t>2015/6/23</a:t>
             </a:fld>
             <a:endParaRPr lang="zh-CN" altLang="en-US"/>
           </a:p>
@@ -2299,7 +2304,7 @@
     </p:spTree>
     <p:extLst>
       <p:ext uri="{BB962C8B-B14F-4D97-AF65-F5344CB8AC3E}">
-        <p14:creationId xmlns:p14="http://schemas.microsoft.com/office/powerpoint/2010/main" val="3604736829"/>
+        <p14:creationId xmlns:p14="http://schemas.microsoft.com/office/powerpoint/2010/main" xmlns="" val="3604736829"/>
       </p:ext>
     </p:extLst>
   </p:cSld>
@@ -2872,7 +2877,7 @@
             <a:fld id="{530820CF-B880-4189-942D-D702A7CBA730}" type="datetimeFigureOut">
               <a:rPr lang="zh-CN" altLang="en-US" smtClean="0"/>
               <a:pPr/>
-              <a:t>2015/6/22</a:t>
+              <a:t>2015/6/23</a:t>
             </a:fld>
             <a:endParaRPr lang="zh-CN" altLang="en-US"/>
           </a:p>
@@ -2924,7 +2929,7 @@
     </p:spTree>
     <p:extLst>
       <p:ext uri="{BB962C8B-B14F-4D97-AF65-F5344CB8AC3E}">
-        <p14:creationId xmlns:p14="http://schemas.microsoft.com/office/powerpoint/2010/main" val="3251260666"/>
+        <p14:creationId xmlns:p14="http://schemas.microsoft.com/office/powerpoint/2010/main" xmlns="" val="3251260666"/>
       </p:ext>
     </p:extLst>
   </p:cSld>
@@ -3734,7 +3739,7 @@
             <a:fld id="{530820CF-B880-4189-942D-D702A7CBA730}" type="datetimeFigureOut">
               <a:rPr lang="zh-CN" altLang="en-US" smtClean="0"/>
               <a:pPr/>
-              <a:t>2015/6/22</a:t>
+              <a:t>2015/6/23</a:t>
             </a:fld>
             <a:endParaRPr lang="zh-CN" altLang="en-US"/>
           </a:p>
@@ -3786,7 +3791,7 @@
     </p:spTree>
     <p:extLst>
       <p:ext uri="{BB962C8B-B14F-4D97-AF65-F5344CB8AC3E}">
-        <p14:creationId xmlns:p14="http://schemas.microsoft.com/office/powerpoint/2010/main" val="524872144"/>
+        <p14:creationId xmlns:p14="http://schemas.microsoft.com/office/powerpoint/2010/main" xmlns="" val="524872144"/>
       </p:ext>
     </p:extLst>
   </p:cSld>
@@ -3906,7 +3911,7 @@
             <a:fld id="{530820CF-B880-4189-942D-D702A7CBA730}" type="datetimeFigureOut">
               <a:rPr lang="zh-CN" altLang="en-US" smtClean="0"/>
               <a:pPr/>
-              <a:t>2015/6/22</a:t>
+              <a:t>2015/6/23</a:t>
             </a:fld>
             <a:endParaRPr lang="zh-CN" altLang="en-US"/>
           </a:p>
@@ -3958,7 +3963,7 @@
     </p:spTree>
     <p:extLst>
       <p:ext uri="{BB962C8B-B14F-4D97-AF65-F5344CB8AC3E}">
-        <p14:creationId xmlns:p14="http://schemas.microsoft.com/office/powerpoint/2010/main" val="2376434445"/>
+        <p14:creationId xmlns:p14="http://schemas.microsoft.com/office/powerpoint/2010/main" xmlns="" val="2376434445"/>
       </p:ext>
     </p:extLst>
   </p:cSld>
@@ -4088,7 +4093,7 @@
             <a:fld id="{530820CF-B880-4189-942D-D702A7CBA730}" type="datetimeFigureOut">
               <a:rPr lang="zh-CN" altLang="en-US" smtClean="0"/>
               <a:pPr/>
-              <a:t>2015/6/22</a:t>
+              <a:t>2015/6/23</a:t>
             </a:fld>
             <a:endParaRPr lang="zh-CN" altLang="en-US"/>
           </a:p>
@@ -4140,7 +4145,7 @@
     </p:spTree>
     <p:extLst>
       <p:ext uri="{BB962C8B-B14F-4D97-AF65-F5344CB8AC3E}">
-        <p14:creationId xmlns:p14="http://schemas.microsoft.com/office/powerpoint/2010/main" val="3804254376"/>
+        <p14:creationId xmlns:p14="http://schemas.microsoft.com/office/powerpoint/2010/main" xmlns="" val="3804254376"/>
       </p:ext>
     </p:extLst>
   </p:cSld>
@@ -4260,7 +4265,7 @@
             <a:fld id="{530820CF-B880-4189-942D-D702A7CBA730}" type="datetimeFigureOut">
               <a:rPr lang="zh-CN" altLang="en-US" smtClean="0"/>
               <a:pPr/>
-              <a:t>2015/6/22</a:t>
+              <a:t>2015/6/23</a:t>
             </a:fld>
             <a:endParaRPr lang="zh-CN" altLang="en-US"/>
           </a:p>
@@ -4312,7 +4317,7 @@
     </p:spTree>
     <p:extLst>
       <p:ext uri="{BB962C8B-B14F-4D97-AF65-F5344CB8AC3E}">
-        <p14:creationId xmlns:p14="http://schemas.microsoft.com/office/powerpoint/2010/main" val="3755879249"/>
+        <p14:creationId xmlns:p14="http://schemas.microsoft.com/office/powerpoint/2010/main" xmlns="" val="3755879249"/>
       </p:ext>
     </p:extLst>
   </p:cSld>
@@ -4509,7 +4514,7 @@
             <a:fld id="{530820CF-B880-4189-942D-D702A7CBA730}" type="datetimeFigureOut">
               <a:rPr lang="zh-CN" altLang="en-US" smtClean="0"/>
               <a:pPr/>
-              <a:t>2015/6/22</a:t>
+              <a:t>2015/6/23</a:t>
             </a:fld>
             <a:endParaRPr lang="zh-CN" altLang="en-US"/>
           </a:p>
@@ -4561,7 +4566,7 @@
     </p:spTree>
     <p:extLst>
       <p:ext uri="{BB962C8B-B14F-4D97-AF65-F5344CB8AC3E}">
-        <p14:creationId xmlns:p14="http://schemas.microsoft.com/office/powerpoint/2010/main" val="2668804196"/>
+        <p14:creationId xmlns:p14="http://schemas.microsoft.com/office/powerpoint/2010/main" xmlns="" val="2668804196"/>
       </p:ext>
     </p:extLst>
   </p:cSld>
@@ -4803,7 +4808,7 @@
             <a:fld id="{530820CF-B880-4189-942D-D702A7CBA730}" type="datetimeFigureOut">
               <a:rPr lang="zh-CN" altLang="en-US" smtClean="0"/>
               <a:pPr/>
-              <a:t>2015/6/22</a:t>
+              <a:t>2015/6/23</a:t>
             </a:fld>
             <a:endParaRPr lang="zh-CN" altLang="en-US"/>
           </a:p>
@@ -4855,7 +4860,7 @@
     </p:spTree>
     <p:extLst>
       <p:ext uri="{BB962C8B-B14F-4D97-AF65-F5344CB8AC3E}">
-        <p14:creationId xmlns:p14="http://schemas.microsoft.com/office/powerpoint/2010/main" val="1894714509"/>
+        <p14:creationId xmlns:p14="http://schemas.microsoft.com/office/powerpoint/2010/main" xmlns="" val="1894714509"/>
       </p:ext>
     </p:extLst>
   </p:cSld>
@@ -5249,7 +5254,7 @@
             <a:fld id="{530820CF-B880-4189-942D-D702A7CBA730}" type="datetimeFigureOut">
               <a:rPr lang="zh-CN" altLang="en-US" smtClean="0"/>
               <a:pPr/>
-              <a:t>2015/6/22</a:t>
+              <a:t>2015/6/23</a:t>
             </a:fld>
             <a:endParaRPr lang="zh-CN" altLang="en-US"/>
           </a:p>
@@ -5301,7 +5306,7 @@
     </p:spTree>
     <p:extLst>
       <p:ext uri="{BB962C8B-B14F-4D97-AF65-F5344CB8AC3E}">
-        <p14:creationId xmlns:p14="http://schemas.microsoft.com/office/powerpoint/2010/main" val="2308593834"/>
+        <p14:creationId xmlns:p14="http://schemas.microsoft.com/office/powerpoint/2010/main" xmlns="" val="2308593834"/>
       </p:ext>
     </p:extLst>
   </p:cSld>
@@ -5369,7 +5374,7 @@
             <a:fld id="{530820CF-B880-4189-942D-D702A7CBA730}" type="datetimeFigureOut">
               <a:rPr lang="zh-CN" altLang="en-US" smtClean="0"/>
               <a:pPr/>
-              <a:t>2015/6/22</a:t>
+              <a:t>2015/6/23</a:t>
             </a:fld>
             <a:endParaRPr lang="zh-CN" altLang="en-US"/>
           </a:p>
@@ -5421,7 +5426,7 @@
     </p:spTree>
     <p:extLst>
       <p:ext uri="{BB962C8B-B14F-4D97-AF65-F5344CB8AC3E}">
-        <p14:creationId xmlns:p14="http://schemas.microsoft.com/office/powerpoint/2010/main" val="2793175138"/>
+        <p14:creationId xmlns:p14="http://schemas.microsoft.com/office/powerpoint/2010/main" xmlns="" val="2793175138"/>
       </p:ext>
     </p:extLst>
   </p:cSld>
@@ -5466,7 +5471,7 @@
             <a:fld id="{530820CF-B880-4189-942D-D702A7CBA730}" type="datetimeFigureOut">
               <a:rPr lang="zh-CN" altLang="en-US" smtClean="0"/>
               <a:pPr/>
-              <a:t>2015/6/22</a:t>
+              <a:t>2015/6/23</a:t>
             </a:fld>
             <a:endParaRPr lang="zh-CN" altLang="en-US"/>
           </a:p>
@@ -5518,7 +5523,7 @@
     </p:spTree>
     <p:extLst>
       <p:ext uri="{BB962C8B-B14F-4D97-AF65-F5344CB8AC3E}">
-        <p14:creationId xmlns:p14="http://schemas.microsoft.com/office/powerpoint/2010/main" val="1487495213"/>
+        <p14:creationId xmlns:p14="http://schemas.microsoft.com/office/powerpoint/2010/main" xmlns="" val="1487495213"/>
       </p:ext>
     </p:extLst>
   </p:cSld>
@@ -5747,7 +5752,7 @@
             <a:fld id="{530820CF-B880-4189-942D-D702A7CBA730}" type="datetimeFigureOut">
               <a:rPr lang="zh-CN" altLang="en-US" smtClean="0"/>
               <a:pPr/>
-              <a:t>2015/6/22</a:t>
+              <a:t>2015/6/23</a:t>
             </a:fld>
             <a:endParaRPr lang="zh-CN" altLang="en-US"/>
           </a:p>
@@ -5799,7 +5804,7 @@
     </p:spTree>
     <p:extLst>
       <p:ext uri="{BB962C8B-B14F-4D97-AF65-F5344CB8AC3E}">
-        <p14:creationId xmlns:p14="http://schemas.microsoft.com/office/powerpoint/2010/main" val="2290731936"/>
+        <p14:creationId xmlns:p14="http://schemas.microsoft.com/office/powerpoint/2010/main" xmlns="" val="2290731936"/>
       </p:ext>
     </p:extLst>
   </p:cSld>
@@ -6024,7 +6029,7 @@
             <a:fld id="{530820CF-B880-4189-942D-D702A7CBA730}" type="datetimeFigureOut">
               <a:rPr lang="zh-CN" altLang="en-US" smtClean="0"/>
               <a:pPr/>
-              <a:t>2015/6/22</a:t>
+              <a:t>2015/6/23</a:t>
             </a:fld>
             <a:endParaRPr lang="zh-CN" altLang="en-US"/>
           </a:p>
@@ -6076,7 +6081,7 @@
     </p:spTree>
     <p:extLst>
       <p:ext uri="{BB962C8B-B14F-4D97-AF65-F5344CB8AC3E}">
-        <p14:creationId xmlns:p14="http://schemas.microsoft.com/office/powerpoint/2010/main" val="791014888"/>
+        <p14:creationId xmlns:p14="http://schemas.microsoft.com/office/powerpoint/2010/main" xmlns="" val="791014888"/>
       </p:ext>
     </p:extLst>
   </p:cSld>
@@ -6591,7 +6596,7 @@
             <a:fld id="{530820CF-B880-4189-942D-D702A7CBA730}" type="datetimeFigureOut">
               <a:rPr lang="zh-CN" altLang="en-US" smtClean="0"/>
               <a:pPr/>
-              <a:t>2015/6/22</a:t>
+              <a:t>2015/6/23</a:t>
             </a:fld>
             <a:endParaRPr lang="zh-CN" altLang="en-US"/>
           </a:p>
@@ -6680,7 +6685,7 @@
     </p:spTree>
     <p:extLst>
       <p:ext uri="{BB962C8B-B14F-4D97-AF65-F5344CB8AC3E}">
-        <p14:creationId xmlns:p14="http://schemas.microsoft.com/office/powerpoint/2010/main" val="2829804012"/>
+        <p14:creationId xmlns:p14="http://schemas.microsoft.com/office/powerpoint/2010/main" xmlns="" val="2829804012"/>
       </p:ext>
     </p:extLst>
   </p:cSld>
@@ -7167,7 +7172,7 @@
         <p:spPr>
           <a:xfrm>
             <a:off x="971600" y="1628800"/>
-            <a:ext cx="6624736" cy="3384376"/>
+            <a:ext cx="6984776" cy="3960440"/>
           </a:xfrm>
         </p:spPr>
         <p:txBody>
@@ -7186,11 +7191,11 @@
                 <a:latin typeface="Times New Roman" pitchFamily="18" charset="0"/>
                 <a:cs typeface="Times New Roman" pitchFamily="18" charset="0"/>
               </a:rPr>
-              <a:t>Guiding principles </a:t>
-            </a:r>
-          </a:p>
-          <a:p>
-            <a:pPr marL="457200" indent="-457200" algn="l">
+              <a:t>.NET I</a:t>
+            </a:r>
+          </a:p>
+          <a:p>
+            <a:pPr marL="914400" lvl="1" indent="-457200" algn="l">
               <a:buFont typeface="Wingdings" panose="05000000000000000000" pitchFamily="2" charset="2"/>
               <a:buChar char="Ø"/>
             </a:pPr>
@@ -7202,11 +7207,47 @@
                 <a:latin typeface="Times New Roman" pitchFamily="18" charset="0"/>
                 <a:cs typeface="Times New Roman" pitchFamily="18" charset="0"/>
               </a:rPr>
-              <a:t>Technical features</a:t>
-            </a:r>
-          </a:p>
-          <a:p>
-            <a:pPr marL="457200" indent="-457200">
+              <a:t>Guiding </a:t>
+            </a:r>
+            <a:r>
+              <a:rPr lang="en-US" altLang="zh-CN" dirty="0" smtClean="0">
+                <a:solidFill>
+                  <a:schemeClr val="tx1"/>
+                </a:solidFill>
+                <a:latin typeface="Times New Roman" pitchFamily="18" charset="0"/>
+                <a:cs typeface="Times New Roman" pitchFamily="18" charset="0"/>
+              </a:rPr>
+              <a:t>principles </a:t>
+            </a:r>
+          </a:p>
+          <a:p>
+            <a:pPr marL="914400" lvl="1" indent="-457200" algn="l">
+              <a:buFont typeface="Wingdings" panose="05000000000000000000" pitchFamily="2" charset="2"/>
+              <a:buChar char="Ø"/>
+            </a:pPr>
+            <a:r>
+              <a:rPr lang="en-US" altLang="zh-CN" dirty="0" smtClean="0">
+                <a:solidFill>
+                  <a:schemeClr val="tx1"/>
+                </a:solidFill>
+                <a:latin typeface="Times New Roman" pitchFamily="18" charset="0"/>
+                <a:cs typeface="Times New Roman" pitchFamily="18" charset="0"/>
+              </a:rPr>
+              <a:t>Technical </a:t>
+            </a:r>
+            <a:r>
+              <a:rPr lang="en-US" altLang="zh-CN" dirty="0" smtClean="0">
+                <a:solidFill>
+                  <a:schemeClr val="tx1"/>
+                </a:solidFill>
+                <a:latin typeface="Times New Roman" pitchFamily="18" charset="0"/>
+                <a:cs typeface="Times New Roman" pitchFamily="18" charset="0"/>
+              </a:rPr>
+              <a:t>features</a:t>
+            </a:r>
+          </a:p>
+          <a:p>
+            <a:pPr marL="914400" lvl="1" indent="-457200" algn="l">
               <a:buFont typeface="Wingdings" panose="05000000000000000000" pitchFamily="2" charset="2"/>
               <a:buChar char="Ø"/>
             </a:pPr>
@@ -7228,40 +7269,7 @@
                 <a:latin typeface="Times New Roman" pitchFamily="18" charset="0"/>
                 <a:cs typeface="Times New Roman" pitchFamily="18" charset="0"/>
               </a:rPr>
-              <a:t>walkthrough &amp; demo</a:t>
-            </a:r>
-            <a:endParaRPr lang="en-US" altLang="zh-CN" dirty="0" smtClean="0">
-              <a:solidFill>
-                <a:schemeClr val="tx1"/>
-              </a:solidFill>
-              <a:latin typeface="Times New Roman" pitchFamily="18" charset="0"/>
-              <a:cs typeface="Times New Roman" pitchFamily="18" charset="0"/>
-            </a:endParaRPr>
-          </a:p>
-          <a:p>
-            <a:pPr marL="457200" indent="-457200" algn="l">
-              <a:buFont typeface="Wingdings" panose="05000000000000000000" pitchFamily="2" charset="2"/>
-              <a:buChar char="Ø"/>
-            </a:pPr>
-            <a:r>
-              <a:rPr lang="en-US" altLang="zh-CN" dirty="0" smtClean="0">
-                <a:solidFill>
-                  <a:schemeClr val="tx1"/>
-                </a:solidFill>
-                <a:latin typeface="Times New Roman" pitchFamily="18" charset="0"/>
-                <a:cs typeface="Times New Roman" pitchFamily="18" charset="0"/>
-              </a:rPr>
-              <a:t>WCF </a:t>
-            </a:r>
-            <a:r>
-              <a:rPr lang="en-US" altLang="zh-CN" dirty="0" smtClean="0">
-                <a:solidFill>
-                  <a:schemeClr val="tx1"/>
-                </a:solidFill>
-                <a:latin typeface="Times New Roman" pitchFamily="18" charset="0"/>
-                <a:cs typeface="Times New Roman" pitchFamily="18" charset="0"/>
-              </a:rPr>
-              <a:t>code walkthrough &amp; </a:t>
+              <a:t>walkthrough &amp; </a:t>
             </a:r>
             <a:r>
               <a:rPr lang="en-US" altLang="zh-CN" dirty="0" smtClean="0">
@@ -7280,6 +7288,65 @@
               <a:buChar char="Ø"/>
             </a:pPr>
             <a:r>
+              <a:rPr lang="en-US" altLang="zh-CN" dirty="0" smtClean="0">
+                <a:solidFill>
+                  <a:schemeClr val="tx1"/>
+                </a:solidFill>
+                <a:latin typeface="Times New Roman" pitchFamily="18" charset="0"/>
+                <a:cs typeface="Times New Roman" pitchFamily="18" charset="0"/>
+              </a:rPr>
+              <a:t>.net II</a:t>
+            </a:r>
+            <a:endParaRPr lang="en-US" altLang="zh-CN" dirty="0" smtClean="0">
+              <a:solidFill>
+                <a:schemeClr val="tx1"/>
+              </a:solidFill>
+              <a:latin typeface="Times New Roman" pitchFamily="18" charset="0"/>
+              <a:cs typeface="Times New Roman" pitchFamily="18" charset="0"/>
+            </a:endParaRPr>
+          </a:p>
+          <a:p>
+            <a:pPr marL="914400" lvl="1" indent="-457200" algn="l">
+              <a:buFont typeface="Wingdings" panose="05000000000000000000" pitchFamily="2" charset="2"/>
+              <a:buChar char="Ø"/>
+            </a:pPr>
+            <a:r>
+              <a:rPr lang="en-US" altLang="zh-CN" dirty="0" smtClean="0">
+                <a:solidFill>
+                  <a:schemeClr val="tx1"/>
+                </a:solidFill>
+                <a:latin typeface="Times New Roman" pitchFamily="18" charset="0"/>
+                <a:cs typeface="Times New Roman" pitchFamily="18" charset="0"/>
+              </a:rPr>
+              <a:t>WCF code walkthrough &amp; </a:t>
+            </a:r>
+            <a:r>
+              <a:rPr lang="en-US" altLang="zh-CN" dirty="0" smtClean="0">
+                <a:solidFill>
+                  <a:schemeClr val="tx1"/>
+                </a:solidFill>
+                <a:latin typeface="Times New Roman" pitchFamily="18" charset="0"/>
+                <a:cs typeface="Times New Roman" pitchFamily="18" charset="0"/>
+              </a:rPr>
+              <a:t>demo</a:t>
+            </a:r>
+          </a:p>
+          <a:p>
+            <a:pPr marL="914400" lvl="1" indent="-457200" algn="l">
+              <a:buFont typeface="Wingdings" panose="05000000000000000000" pitchFamily="2" charset="2"/>
+              <a:buChar char="Ø"/>
+            </a:pPr>
+            <a:r>
+              <a:rPr lang="en-US" altLang="zh-CN" dirty="0" smtClean="0">
+                <a:solidFill>
+                  <a:schemeClr val="tx1"/>
+                </a:solidFill>
+                <a:latin typeface="Times New Roman" pitchFamily="18" charset="0"/>
+                <a:cs typeface="Times New Roman" pitchFamily="18" charset="0"/>
+              </a:rPr>
+              <a:t>Service </a:t>
+            </a:r>
+            <a:r>
               <a:rPr lang="en-US" altLang="zh-CN" dirty="0">
                 <a:solidFill>
                   <a:schemeClr val="tx1"/>
@@ -7287,7 +7354,7 @@
                 <a:latin typeface="Times New Roman" pitchFamily="18" charset="0"/>
                 <a:cs typeface="Times New Roman" pitchFamily="18" charset="0"/>
               </a:rPr>
-              <a:t>Service layer binding &amp; security</a:t>
+              <a:t>layer binding &amp; security</a:t>
             </a:r>
             <a:endParaRPr lang="en-US" altLang="zh-CN" dirty="0" smtClean="0">
               <a:solidFill>
@@ -7298,7 +7365,7 @@
             </a:endParaRPr>
           </a:p>
           <a:p>
-            <a:pPr marL="457200" indent="-457200" algn="l">
+            <a:pPr marL="914400" lvl="1" indent="-457200" algn="l">
               <a:buFont typeface="Wingdings" panose="05000000000000000000" pitchFamily="2" charset="2"/>
               <a:buChar char="Ø"/>
             </a:pPr>
@@ -7580,8 +7647,8 @@
           </p:nvSpPr>
           <p:spPr>
             <a:xfrm>
-              <a:off x="4672013" y="1556957"/>
-              <a:ext cx="2466974" cy="985911"/>
+              <a:off x="4672013" y="1408329"/>
+              <a:ext cx="2466974" cy="1134540"/>
             </a:xfrm>
             <a:prstGeom prst="rect">
               <a:avLst/>
@@ -7698,11 +7765,11 @@
             <a:p>
               <a:pPr algn="ctr"/>
               <a:r>
-                <a:rPr lang="en-US" altLang="zh-CN" sz="1100" b="1"/>
+                <a:rPr lang="en-US" altLang="zh-CN" sz="1100" b="1" dirty="0"/>
                 <a:t>Service</a:t>
               </a:r>
               <a:r>
-                <a:rPr lang="en-US" altLang="zh-CN" sz="1100" b="1" baseline="0"/>
+                <a:rPr lang="en-US" altLang="zh-CN" sz="1100" b="1" baseline="0" dirty="0"/>
                 <a:t> Layer</a:t>
               </a:r>
             </a:p>
@@ -8534,8 +8601,8 @@
           </p:nvSpPr>
           <p:spPr>
             <a:xfrm>
-              <a:off x="2005013" y="1556955"/>
-              <a:ext cx="2552700" cy="990601"/>
+              <a:off x="2005013" y="1408327"/>
+              <a:ext cx="2552700" cy="1139228"/>
             </a:xfrm>
             <a:prstGeom prst="rect">
               <a:avLst/>
@@ -8671,8 +8738,8 @@
           </p:nvSpPr>
           <p:spPr>
             <a:xfrm>
-              <a:off x="2147889" y="1804607"/>
-              <a:ext cx="1133474" cy="559991"/>
+              <a:off x="2147889" y="1790836"/>
+              <a:ext cx="1133474" cy="573763"/>
             </a:xfrm>
             <a:prstGeom prst="rect">
               <a:avLst/>
@@ -8790,16 +8857,13 @@
               <a:pPr algn="ctr"/>
               <a:r>
                 <a:rPr lang="en-US" altLang="zh-CN" sz="1100" dirty="0"/>
-                <a:t>ASP.NET MVC</a:t>
+                <a:t>ASP.NET </a:t>
               </a:r>
-            </a:p>
-            <a:p>
-              <a:pPr algn="ctr"/>
               <a:r>
-                <a:rPr lang="en-US" altLang="zh-CN" sz="1100" dirty="0"/>
-                <a:t>for external</a:t>
+                <a:rPr lang="en-US" altLang="zh-CN" sz="1100" dirty="0" smtClean="0"/>
+                <a:t>MVC</a:t>
               </a:r>
-              <a:endParaRPr lang="zh-CN" altLang="en-US" sz="1100" dirty="0"/>
+              <a:endParaRPr lang="en-US" altLang="zh-CN" sz="1100" dirty="0"/>
             </a:p>
           </p:txBody>
         </p:sp>
@@ -8811,8 +8875,8 @@
           </p:nvSpPr>
           <p:spPr>
             <a:xfrm>
-              <a:off x="3367089" y="1814132"/>
-              <a:ext cx="1038223" cy="550467"/>
+              <a:off x="3367089" y="1790836"/>
+              <a:ext cx="1038223" cy="573763"/>
             </a:xfrm>
             <a:prstGeom prst="rect">
               <a:avLst/>
@@ -8929,19 +8993,8 @@
             <a:p>
               <a:pPr algn="ctr"/>
               <a:r>
-                <a:rPr lang="en-US" altLang="zh-CN" sz="1100" dirty="0"/>
+                <a:rPr lang="en-US" altLang="zh-CN" sz="1100" dirty="0" smtClean="0"/>
                 <a:t>WEBFORM</a:t>
-              </a:r>
-            </a:p>
-            <a:p>
-              <a:pPr algn="ctr"/>
-              <a:r>
-                <a:rPr lang="en-US" altLang="zh-CN" sz="1100" dirty="0"/>
-                <a:t>for</a:t>
-              </a:r>
-              <a:r>
-                <a:rPr lang="en-US" altLang="zh-CN" sz="1100" baseline="0" dirty="0"/>
-                <a:t> internal</a:t>
               </a:r>
               <a:endParaRPr lang="zh-CN" altLang="en-US" sz="1100" dirty="0"/>
             </a:p>
@@ -9084,8 +9137,8 @@
           </p:nvSpPr>
           <p:spPr>
             <a:xfrm>
-              <a:off x="7329487" y="1471231"/>
-              <a:ext cx="724607" cy="2464279"/>
+              <a:off x="7269163" y="1408327"/>
+              <a:ext cx="803100" cy="2527183"/>
             </a:xfrm>
             <a:prstGeom prst="rect">
               <a:avLst/>
@@ -9796,7 +9849,7 @@
           <p:spPr>
             <a:xfrm>
               <a:off x="4776789" y="1899857"/>
-              <a:ext cx="1038224" cy="285750"/>
+              <a:ext cx="1038223" cy="464741"/>
             </a:xfrm>
             <a:prstGeom prst="rect">
               <a:avLst/>
@@ -9929,7 +9982,7 @@
           <p:spPr>
             <a:xfrm>
               <a:off x="5986464" y="1899857"/>
-              <a:ext cx="1038224" cy="285750"/>
+              <a:ext cx="1038223" cy="464741"/>
             </a:xfrm>
             <a:prstGeom prst="rect">
               <a:avLst/>
@@ -10046,10 +10099,10 @@
             <a:p>
               <a:pPr algn="ctr"/>
               <a:r>
-                <a:rPr lang="en-US" altLang="zh-CN" sz="1100"/>
+                <a:rPr lang="en-US" altLang="zh-CN" sz="1100" dirty="0"/>
                 <a:t>WCF</a:t>
               </a:r>
-              <a:endParaRPr lang="zh-CN" altLang="en-US" sz="1100"/>
+              <a:endParaRPr lang="zh-CN" altLang="en-US" sz="1100" dirty="0"/>
             </a:p>
           </p:txBody>
         </p:sp>
@@ -10319,8 +10372,8 @@
           </p:nvSpPr>
           <p:spPr>
             <a:xfrm rot="5400000">
-              <a:off x="5772150" y="2542798"/>
-              <a:ext cx="238126" cy="152401"/>
+              <a:off x="5775226" y="2500015"/>
+              <a:ext cx="277834" cy="198261"/>
             </a:xfrm>
             <a:prstGeom prst="leftRightArrow">
               <a:avLst/>
@@ -10577,8 +10630,8 @@
           </p:nvSpPr>
           <p:spPr>
             <a:xfrm flipV="1">
-              <a:off x="4424363" y="2023682"/>
-              <a:ext cx="333373" cy="123827"/>
+              <a:off x="4424363" y="2023681"/>
+              <a:ext cx="333373" cy="245290"/>
             </a:xfrm>
             <a:prstGeom prst="leftRightArrow">
               <a:avLst/>
@@ -10794,7 +10847,15 @@
           <a:p>
             <a:r>
               <a:rPr lang="en-US" altLang="zh-CN" dirty="0" smtClean="0"/>
-              <a:t>BLL: Domain Model pattern, Singleton</a:t>
+              <a:t>BLL: Domain Model </a:t>
+            </a:r>
+            <a:r>
+              <a:rPr lang="en-US" altLang="zh-CN" dirty="0" smtClean="0"/>
+              <a:t>Pattern</a:t>
+            </a:r>
+            <a:r>
+              <a:rPr lang="en-US" altLang="zh-CN" dirty="0" smtClean="0"/>
+              <a:t>, Singleton</a:t>
             </a:r>
           </a:p>
           <a:p>
@@ -11299,10 +11360,10 @@
           </p:nvPr>
         </p:nvPicPr>
         <p:blipFill>
-          <a:blip r:embed="rId2">
+          <a:blip r:embed="rId2" cstate="print">
             <a:extLst>
               <a:ext uri="{28A0092B-C50C-407E-A947-70E740481C1C}">
-                <a14:useLocalDpi xmlns:a14="http://schemas.microsoft.com/office/drawing/2010/main" val="0"/>
+                <a14:useLocalDpi xmlns:a14="http://schemas.microsoft.com/office/drawing/2010/main" xmlns="" val="0"/>
               </a:ext>
             </a:extLst>
           </a:blip>
@@ -11320,7 +11381,7 @@
     </p:spTree>
     <p:extLst>
       <p:ext uri="{BB962C8B-B14F-4D97-AF65-F5344CB8AC3E}">
-        <p14:creationId xmlns:p14="http://schemas.microsoft.com/office/powerpoint/2010/main" val="1531509330"/>
+        <p14:creationId xmlns:p14="http://schemas.microsoft.com/office/powerpoint/2010/main" xmlns="" val="1531509330"/>
       </p:ext>
     </p:extLst>
   </p:cSld>
@@ -11467,7 +11528,7 @@
     </a:clrScheme>
     <a:fontScheme name="Ion">
       <a:majorFont>
-        <a:latin typeface="Century Gothic" panose="020B0502020202020204"/>
+        <a:latin typeface="Century Gothic"/>
         <a:ea typeface=""/>
         <a:cs typeface=""/>
         <a:font script="Jpan" typeface="メイリオ"/>
@@ -11502,7 +11563,7 @@
         <a:font script="Geor" typeface="Sylfaen"/>
       </a:majorFont>
       <a:minorFont>
-        <a:latin typeface="Century Gothic" panose="020B0502020202020204"/>
+        <a:latin typeface="Century Gothic"/>
         <a:ea typeface=""/>
         <a:cs typeface=""/>
         <a:font script="Jpan" typeface="メイリオ"/>
@@ -11684,7 +11745,7 @@
   <a:extraClrSchemeLst/>
   <a:extLst>
     <a:ext uri="{05A4C25C-085E-4340-85A3-A5531E510DB2}">
-      <thm15:themeFamily xmlns:thm15="http://schemas.microsoft.com/office/thememl/2012/main" name="Ion" id="{B8441ADB-2E43-4AF7-B97A-BD870242C6A8}" vid="{292E63A9-BB86-4E3D-B92A-7223C6510D2E}"/>
+      <thm15:themeFamily xmlns:thm15="http://schemas.microsoft.com/office/thememl/2012/main" xmlns="" name="Ion" id="{B8441ADB-2E43-4AF7-B97A-BD870242C6A8}" vid="{292E63A9-BB86-4E3D-B92A-7223C6510D2E}"/>
     </a:ext>
   </a:extLst>
 </a:theme>

--- a/Docs/presentation/ENET_FT1_presentation.pptx
+++ b/Docs/presentation/ENET_FT1_presentation.pptx
@@ -5,7 +5,7 @@
     <p:sldMasterId id="2147483701" r:id="rId1"/>
   </p:sldMasterIdLst>
   <p:notesMasterIdLst>
-    <p:notesMasterId r:id="rId11"/>
+    <p:notesMasterId r:id="rId12"/>
   </p:notesMasterIdLst>
   <p:sldIdLst>
     <p:sldId id="256" r:id="rId2"/>
@@ -13,10 +13,11 @@
     <p:sldId id="258" r:id="rId4"/>
     <p:sldId id="259" r:id="rId5"/>
     <p:sldId id="260" r:id="rId6"/>
-    <p:sldId id="262" r:id="rId7"/>
-    <p:sldId id="264" r:id="rId8"/>
-    <p:sldId id="265" r:id="rId9"/>
-    <p:sldId id="263" r:id="rId10"/>
+    <p:sldId id="266" r:id="rId7"/>
+    <p:sldId id="262" r:id="rId8"/>
+    <p:sldId id="264" r:id="rId9"/>
+    <p:sldId id="265" r:id="rId10"/>
+    <p:sldId id="263" r:id="rId11"/>
   </p:sldIdLst>
   <p:sldSz cx="9144000" cy="6858000" type="screen4x3"/>
   <p:notesSz cx="6858000" cy="9144000"/>
@@ -117,7 +118,7 @@
   </p:defaultTextStyle>
   <p:extLst>
     <p:ext uri="{EFAFB233-063F-42B5-8137-9DF3F51BA10A}">
-      <p15:sldGuideLst xmlns:p15="http://schemas.microsoft.com/office/powerpoint/2012/main" xmlns="">
+      <p15:sldGuideLst xmlns="" xmlns:p15="http://schemas.microsoft.com/office/powerpoint/2012/main">
         <p15:guide id="1" orient="horz" pos="2160">
           <p15:clr>
             <a:srgbClr val="A4A3A4"/>
@@ -388,7 +389,7 @@
     </p:spTree>
     <p:extLst>
       <p:ext uri="{BB962C8B-B14F-4D97-AF65-F5344CB8AC3E}">
-        <p14:creationId xmlns:p14="http://schemas.microsoft.com/office/powerpoint/2010/main" xmlns="" val="72100738"/>
+        <p14:creationId xmlns="" xmlns:p14="http://schemas.microsoft.com/office/powerpoint/2010/main" val="72100738"/>
       </p:ext>
     </p:extLst>
   </p:cSld>
@@ -734,7 +735,7 @@
     </p:spTree>
     <p:extLst>
       <p:ext uri="{BB962C8B-B14F-4D97-AF65-F5344CB8AC3E}">
-        <p14:creationId xmlns:p14="http://schemas.microsoft.com/office/powerpoint/2010/main" xmlns="" val="1053314717"/>
+        <p14:creationId xmlns="" xmlns:p14="http://schemas.microsoft.com/office/powerpoint/2010/main" val="1053314717"/>
       </p:ext>
     </p:extLst>
   </p:cSld>
@@ -879,7 +880,7 @@
     </p:spTree>
     <p:extLst>
       <p:ext uri="{BB962C8B-B14F-4D97-AF65-F5344CB8AC3E}">
-        <p14:creationId xmlns:p14="http://schemas.microsoft.com/office/powerpoint/2010/main" xmlns="" val="2312808557"/>
+        <p14:creationId xmlns="" xmlns:p14="http://schemas.microsoft.com/office/powerpoint/2010/main" val="2312808557"/>
       </p:ext>
     </p:extLst>
   </p:cSld>
@@ -908,7 +909,7 @@
       </p:grpSpPr>
       <p:sp>
         <p:nvSpPr>
-          <p:cNvPr id="2" name="Slide Image Placeholder 1"/>
+          <p:cNvPr id="2" name="幻灯片图像占位符 1"/>
           <p:cNvSpPr>
             <a:spLocks noGrp="1" noRot="1" noChangeAspect="1"/>
           </p:cNvSpPr>
@@ -920,7 +921,7 @@
       </p:sp>
       <p:sp>
         <p:nvSpPr>
-          <p:cNvPr id="3" name="Notes Placeholder 2"/>
+          <p:cNvPr id="3" name="备注占位符 2"/>
           <p:cNvSpPr>
             <a:spLocks noGrp="1"/>
           </p:cNvSpPr>
@@ -930,16 +931,18 @@
         </p:nvSpPr>
         <p:spPr/>
         <p:txBody>
-          <a:bodyPr/>
+          <a:bodyPr>
+            <a:normAutofit/>
+          </a:bodyPr>
           <a:lstStyle/>
           <a:p>
-            <a:endParaRPr lang="en-US" dirty="0"/>
-          </a:p>
-        </p:txBody>
-      </p:sp>
-      <p:sp>
-        <p:nvSpPr>
-          <p:cNvPr id="4" name="Slide Number Placeholder 3"/>
+            <a:endParaRPr lang="zh-CN" altLang="en-US" dirty="0"/>
+          </a:p>
+        </p:txBody>
+      </p:sp>
+      <p:sp>
+        <p:nvSpPr>
+          <p:cNvPr id="4" name="灯片编号占位符 3"/>
           <p:cNvSpPr>
             <a:spLocks noGrp="1"/>
           </p:cNvSpPr>
@@ -955,7 +958,7 @@
             <a:fld id="{0D8387FF-CA20-467F-BA0A-70AD2059448D}" type="slidenum">
               <a:rPr lang="zh-CN" altLang="en-US" smtClean="0"/>
               <a:pPr/>
-              <a:t>7</a:t>
+              <a:t>6</a:t>
             </a:fld>
             <a:endParaRPr lang="zh-CN" altLang="en-US"/>
           </a:p>
@@ -964,7 +967,92 @@
     </p:spTree>
     <p:extLst>
       <p:ext uri="{BB962C8B-B14F-4D97-AF65-F5344CB8AC3E}">
-        <p14:creationId xmlns:p14="http://schemas.microsoft.com/office/powerpoint/2010/main" xmlns="" val="3803382466"/>
+        <p14:creationId xmlns="" xmlns:p14="http://schemas.microsoft.com/office/powerpoint/2010/main" val="1053314717"/>
+      </p:ext>
+    </p:extLst>
+  </p:cSld>
+  <p:clrMapOvr>
+    <a:masterClrMapping/>
+  </p:clrMapOvr>
+</p:notes>
+</file>
+
+<file path=ppt/notesSlides/notesSlide4.xml><?xml version="1.0" encoding="utf-8"?>
+<p:notes xmlns:a="http://schemas.openxmlformats.org/drawingml/2006/main" xmlns:r="http://schemas.openxmlformats.org/officeDocument/2006/relationships" xmlns:p="http://schemas.openxmlformats.org/presentationml/2006/main">
+  <p:cSld>
+    <p:spTree>
+      <p:nvGrpSpPr>
+        <p:cNvPr id="1" name=""/>
+        <p:cNvGrpSpPr/>
+        <p:nvPr/>
+      </p:nvGrpSpPr>
+      <p:grpSpPr>
+        <a:xfrm>
+          <a:off x="0" y="0"/>
+          <a:ext cx="0" cy="0"/>
+          <a:chOff x="0" y="0"/>
+          <a:chExt cx="0" cy="0"/>
+        </a:xfrm>
+      </p:grpSpPr>
+      <p:sp>
+        <p:nvSpPr>
+          <p:cNvPr id="2" name="Slide Image Placeholder 1"/>
+          <p:cNvSpPr>
+            <a:spLocks noGrp="1" noRot="1" noChangeAspect="1"/>
+          </p:cNvSpPr>
+          <p:nvPr>
+            <p:ph type="sldImg"/>
+          </p:nvPr>
+        </p:nvSpPr>
+        <p:spPr/>
+      </p:sp>
+      <p:sp>
+        <p:nvSpPr>
+          <p:cNvPr id="3" name="Notes Placeholder 2"/>
+          <p:cNvSpPr>
+            <a:spLocks noGrp="1"/>
+          </p:cNvSpPr>
+          <p:nvPr>
+            <p:ph type="body" idx="1"/>
+          </p:nvPr>
+        </p:nvSpPr>
+        <p:spPr/>
+        <p:txBody>
+          <a:bodyPr/>
+          <a:lstStyle/>
+          <a:p>
+            <a:endParaRPr lang="en-US" dirty="0"/>
+          </a:p>
+        </p:txBody>
+      </p:sp>
+      <p:sp>
+        <p:nvSpPr>
+          <p:cNvPr id="4" name="Slide Number Placeholder 3"/>
+          <p:cNvSpPr>
+            <a:spLocks noGrp="1"/>
+          </p:cNvSpPr>
+          <p:nvPr>
+            <p:ph type="sldNum" sz="quarter" idx="10"/>
+          </p:nvPr>
+        </p:nvSpPr>
+        <p:spPr/>
+        <p:txBody>
+          <a:bodyPr/>
+          <a:lstStyle/>
+          <a:p>
+            <a:fld id="{0D8387FF-CA20-467F-BA0A-70AD2059448D}" type="slidenum">
+              <a:rPr lang="zh-CN" altLang="en-US" smtClean="0"/>
+              <a:pPr/>
+              <a:t>8</a:t>
+            </a:fld>
+            <a:endParaRPr lang="zh-CN" altLang="en-US"/>
+          </a:p>
+        </p:txBody>
+      </p:sp>
+    </p:spTree>
+    <p:extLst>
+      <p:ext uri="{BB962C8B-B14F-4D97-AF65-F5344CB8AC3E}">
+        <p14:creationId xmlns="" xmlns:p14="http://schemas.microsoft.com/office/powerpoint/2010/main" val="3803382466"/>
       </p:ext>
     </p:extLst>
   </p:cSld>
@@ -1213,7 +1301,7 @@
     </p:spTree>
     <p:extLst>
       <p:ext uri="{BB962C8B-B14F-4D97-AF65-F5344CB8AC3E}">
-        <p14:creationId xmlns:p14="http://schemas.microsoft.com/office/powerpoint/2010/main" xmlns="" val="3140642726"/>
+        <p14:creationId xmlns="" xmlns:p14="http://schemas.microsoft.com/office/powerpoint/2010/main" val="3140642726"/>
       </p:ext>
     </p:extLst>
   </p:cSld>
@@ -1490,7 +1578,7 @@
     </p:spTree>
     <p:extLst>
       <p:ext uri="{BB962C8B-B14F-4D97-AF65-F5344CB8AC3E}">
-        <p14:creationId xmlns:p14="http://schemas.microsoft.com/office/powerpoint/2010/main" xmlns="" val="2016503657"/>
+        <p14:creationId xmlns="" xmlns:p14="http://schemas.microsoft.com/office/powerpoint/2010/main" val="2016503657"/>
       </p:ext>
     </p:extLst>
   </p:cSld>
@@ -1686,7 +1774,7 @@
     </p:spTree>
     <p:extLst>
       <p:ext uri="{BB962C8B-B14F-4D97-AF65-F5344CB8AC3E}">
-        <p14:creationId xmlns:p14="http://schemas.microsoft.com/office/powerpoint/2010/main" xmlns="" val="3961231816"/>
+        <p14:creationId xmlns="" xmlns:p14="http://schemas.microsoft.com/office/powerpoint/2010/main" val="3961231816"/>
       </p:ext>
     </p:extLst>
   </p:cSld>
@@ -2055,7 +2143,7 @@
     </p:spTree>
     <p:extLst>
       <p:ext uri="{BB962C8B-B14F-4D97-AF65-F5344CB8AC3E}">
-        <p14:creationId xmlns:p14="http://schemas.microsoft.com/office/powerpoint/2010/main" xmlns="" val="3412427439"/>
+        <p14:creationId xmlns="" xmlns:p14="http://schemas.microsoft.com/office/powerpoint/2010/main" val="3412427439"/>
       </p:ext>
     </p:extLst>
   </p:cSld>
@@ -2304,7 +2392,7 @@
     </p:spTree>
     <p:extLst>
       <p:ext uri="{BB962C8B-B14F-4D97-AF65-F5344CB8AC3E}">
-        <p14:creationId xmlns:p14="http://schemas.microsoft.com/office/powerpoint/2010/main" xmlns="" val="3604736829"/>
+        <p14:creationId xmlns="" xmlns:p14="http://schemas.microsoft.com/office/powerpoint/2010/main" val="3604736829"/>
       </p:ext>
     </p:extLst>
   </p:cSld>
@@ -2929,7 +3017,7 @@
     </p:spTree>
     <p:extLst>
       <p:ext uri="{BB962C8B-B14F-4D97-AF65-F5344CB8AC3E}">
-        <p14:creationId xmlns:p14="http://schemas.microsoft.com/office/powerpoint/2010/main" xmlns="" val="3251260666"/>
+        <p14:creationId xmlns="" xmlns:p14="http://schemas.microsoft.com/office/powerpoint/2010/main" val="3251260666"/>
       </p:ext>
     </p:extLst>
   </p:cSld>
@@ -3791,7 +3879,7 @@
     </p:spTree>
     <p:extLst>
       <p:ext uri="{BB962C8B-B14F-4D97-AF65-F5344CB8AC3E}">
-        <p14:creationId xmlns:p14="http://schemas.microsoft.com/office/powerpoint/2010/main" xmlns="" val="524872144"/>
+        <p14:creationId xmlns="" xmlns:p14="http://schemas.microsoft.com/office/powerpoint/2010/main" val="524872144"/>
       </p:ext>
     </p:extLst>
   </p:cSld>
@@ -3963,7 +4051,7 @@
     </p:spTree>
     <p:extLst>
       <p:ext uri="{BB962C8B-B14F-4D97-AF65-F5344CB8AC3E}">
-        <p14:creationId xmlns:p14="http://schemas.microsoft.com/office/powerpoint/2010/main" xmlns="" val="2376434445"/>
+        <p14:creationId xmlns="" xmlns:p14="http://schemas.microsoft.com/office/powerpoint/2010/main" val="2376434445"/>
       </p:ext>
     </p:extLst>
   </p:cSld>
@@ -4145,7 +4233,7 @@
     </p:spTree>
     <p:extLst>
       <p:ext uri="{BB962C8B-B14F-4D97-AF65-F5344CB8AC3E}">
-        <p14:creationId xmlns:p14="http://schemas.microsoft.com/office/powerpoint/2010/main" xmlns="" val="3804254376"/>
+        <p14:creationId xmlns="" xmlns:p14="http://schemas.microsoft.com/office/powerpoint/2010/main" val="3804254376"/>
       </p:ext>
     </p:extLst>
   </p:cSld>
@@ -4317,7 +4405,7 @@
     </p:spTree>
     <p:extLst>
       <p:ext uri="{BB962C8B-B14F-4D97-AF65-F5344CB8AC3E}">
-        <p14:creationId xmlns:p14="http://schemas.microsoft.com/office/powerpoint/2010/main" xmlns="" val="3755879249"/>
+        <p14:creationId xmlns="" xmlns:p14="http://schemas.microsoft.com/office/powerpoint/2010/main" val="3755879249"/>
       </p:ext>
     </p:extLst>
   </p:cSld>
@@ -4566,7 +4654,7 @@
     </p:spTree>
     <p:extLst>
       <p:ext uri="{BB962C8B-B14F-4D97-AF65-F5344CB8AC3E}">
-        <p14:creationId xmlns:p14="http://schemas.microsoft.com/office/powerpoint/2010/main" xmlns="" val="2668804196"/>
+        <p14:creationId xmlns="" xmlns:p14="http://schemas.microsoft.com/office/powerpoint/2010/main" val="2668804196"/>
       </p:ext>
     </p:extLst>
   </p:cSld>
@@ -4860,7 +4948,7 @@
     </p:spTree>
     <p:extLst>
       <p:ext uri="{BB962C8B-B14F-4D97-AF65-F5344CB8AC3E}">
-        <p14:creationId xmlns:p14="http://schemas.microsoft.com/office/powerpoint/2010/main" xmlns="" val="1894714509"/>
+        <p14:creationId xmlns="" xmlns:p14="http://schemas.microsoft.com/office/powerpoint/2010/main" val="1894714509"/>
       </p:ext>
     </p:extLst>
   </p:cSld>
@@ -5306,7 +5394,7 @@
     </p:spTree>
     <p:extLst>
       <p:ext uri="{BB962C8B-B14F-4D97-AF65-F5344CB8AC3E}">
-        <p14:creationId xmlns:p14="http://schemas.microsoft.com/office/powerpoint/2010/main" xmlns="" val="2308593834"/>
+        <p14:creationId xmlns="" xmlns:p14="http://schemas.microsoft.com/office/powerpoint/2010/main" val="2308593834"/>
       </p:ext>
     </p:extLst>
   </p:cSld>
@@ -5426,7 +5514,7 @@
     </p:spTree>
     <p:extLst>
       <p:ext uri="{BB962C8B-B14F-4D97-AF65-F5344CB8AC3E}">
-        <p14:creationId xmlns:p14="http://schemas.microsoft.com/office/powerpoint/2010/main" xmlns="" val="2793175138"/>
+        <p14:creationId xmlns="" xmlns:p14="http://schemas.microsoft.com/office/powerpoint/2010/main" val="2793175138"/>
       </p:ext>
     </p:extLst>
   </p:cSld>
@@ -5523,7 +5611,7 @@
     </p:spTree>
     <p:extLst>
       <p:ext uri="{BB962C8B-B14F-4D97-AF65-F5344CB8AC3E}">
-        <p14:creationId xmlns:p14="http://schemas.microsoft.com/office/powerpoint/2010/main" xmlns="" val="1487495213"/>
+        <p14:creationId xmlns="" xmlns:p14="http://schemas.microsoft.com/office/powerpoint/2010/main" val="1487495213"/>
       </p:ext>
     </p:extLst>
   </p:cSld>
@@ -5804,7 +5892,7 @@
     </p:spTree>
     <p:extLst>
       <p:ext uri="{BB962C8B-B14F-4D97-AF65-F5344CB8AC3E}">
-        <p14:creationId xmlns:p14="http://schemas.microsoft.com/office/powerpoint/2010/main" xmlns="" val="2290731936"/>
+        <p14:creationId xmlns="" xmlns:p14="http://schemas.microsoft.com/office/powerpoint/2010/main" val="2290731936"/>
       </p:ext>
     </p:extLst>
   </p:cSld>
@@ -6081,7 +6169,7 @@
     </p:spTree>
     <p:extLst>
       <p:ext uri="{BB962C8B-B14F-4D97-AF65-F5344CB8AC3E}">
-        <p14:creationId xmlns:p14="http://schemas.microsoft.com/office/powerpoint/2010/main" xmlns="" val="791014888"/>
+        <p14:creationId xmlns="" xmlns:p14="http://schemas.microsoft.com/office/powerpoint/2010/main" val="791014888"/>
       </p:ext>
     </p:extLst>
   </p:cSld>
@@ -6685,7 +6773,7 @@
     </p:spTree>
     <p:extLst>
       <p:ext uri="{BB962C8B-B14F-4D97-AF65-F5344CB8AC3E}">
-        <p14:creationId xmlns:p14="http://schemas.microsoft.com/office/powerpoint/2010/main" xmlns="" val="2829804012"/>
+        <p14:creationId xmlns="" xmlns:p14="http://schemas.microsoft.com/office/powerpoint/2010/main" val="2829804012"/>
       </p:ext>
     </p:extLst>
   </p:cSld>
@@ -7191,111 +7279,7 @@
                 <a:latin typeface="Times New Roman" pitchFamily="18" charset="0"/>
                 <a:cs typeface="Times New Roman" pitchFamily="18" charset="0"/>
               </a:rPr>
-              <a:t>.NET I</a:t>
-            </a:r>
-          </a:p>
-          <a:p>
-            <a:pPr marL="914400" lvl="1" indent="-457200" algn="l">
-              <a:buFont typeface="Wingdings" panose="05000000000000000000" pitchFamily="2" charset="2"/>
-              <a:buChar char="Ø"/>
-            </a:pPr>
-            <a:r>
-              <a:rPr lang="en-US" altLang="zh-CN" dirty="0" smtClean="0">
-                <a:solidFill>
-                  <a:schemeClr val="tx1"/>
-                </a:solidFill>
-                <a:latin typeface="Times New Roman" pitchFamily="18" charset="0"/>
-                <a:cs typeface="Times New Roman" pitchFamily="18" charset="0"/>
-              </a:rPr>
-              <a:t>Guiding </a:t>
-            </a:r>
-            <a:r>
-              <a:rPr lang="en-US" altLang="zh-CN" dirty="0" smtClean="0">
-                <a:solidFill>
-                  <a:schemeClr val="tx1"/>
-                </a:solidFill>
-                <a:latin typeface="Times New Roman" pitchFamily="18" charset="0"/>
-                <a:cs typeface="Times New Roman" pitchFamily="18" charset="0"/>
-              </a:rPr>
-              <a:t>principles </a:t>
-            </a:r>
-          </a:p>
-          <a:p>
-            <a:pPr marL="914400" lvl="1" indent="-457200" algn="l">
-              <a:buFont typeface="Wingdings" panose="05000000000000000000" pitchFamily="2" charset="2"/>
-              <a:buChar char="Ø"/>
-            </a:pPr>
-            <a:r>
-              <a:rPr lang="en-US" altLang="zh-CN" dirty="0" smtClean="0">
-                <a:solidFill>
-                  <a:schemeClr val="tx1"/>
-                </a:solidFill>
-                <a:latin typeface="Times New Roman" pitchFamily="18" charset="0"/>
-                <a:cs typeface="Times New Roman" pitchFamily="18" charset="0"/>
-              </a:rPr>
-              <a:t>Technical </a:t>
-            </a:r>
-            <a:r>
-              <a:rPr lang="en-US" altLang="zh-CN" dirty="0" smtClean="0">
-                <a:solidFill>
-                  <a:schemeClr val="tx1"/>
-                </a:solidFill>
-                <a:latin typeface="Times New Roman" pitchFamily="18" charset="0"/>
-                <a:cs typeface="Times New Roman" pitchFamily="18" charset="0"/>
-              </a:rPr>
-              <a:t>features</a:t>
-            </a:r>
-          </a:p>
-          <a:p>
-            <a:pPr marL="914400" lvl="1" indent="-457200" algn="l">
-              <a:buFont typeface="Wingdings" panose="05000000000000000000" pitchFamily="2" charset="2"/>
-              <a:buChar char="Ø"/>
-            </a:pPr>
-            <a:r>
-              <a:rPr lang="en-US" altLang="zh-CN" dirty="0" smtClean="0">
-                <a:solidFill>
-                  <a:schemeClr val="tx1"/>
-                </a:solidFill>
-                <a:latin typeface="Times New Roman" pitchFamily="18" charset="0"/>
-                <a:cs typeface="Times New Roman" pitchFamily="18" charset="0"/>
-              </a:rPr>
-              <a:t>Code </a:t>
-            </a:r>
-            <a:r>
-              <a:rPr lang="en-US" altLang="zh-CN" dirty="0">
-                <a:solidFill>
-                  <a:schemeClr val="tx1"/>
-                </a:solidFill>
-                <a:latin typeface="Times New Roman" pitchFamily="18" charset="0"/>
-                <a:cs typeface="Times New Roman" pitchFamily="18" charset="0"/>
-              </a:rPr>
-              <a:t>walkthrough &amp; </a:t>
-            </a:r>
-            <a:r>
-              <a:rPr lang="en-US" altLang="zh-CN" dirty="0" smtClean="0">
-                <a:solidFill>
-                  <a:schemeClr val="tx1"/>
-                </a:solidFill>
-                <a:latin typeface="Times New Roman" pitchFamily="18" charset="0"/>
-                <a:cs typeface="Times New Roman" pitchFamily="18" charset="0"/>
-              </a:rPr>
-              <a:t>demo</a:t>
-            </a:r>
-          </a:p>
-          <a:p>
-            <a:pPr marL="457200" indent="-457200">
-              <a:buFont typeface="Wingdings" panose="05000000000000000000" pitchFamily="2" charset="2"/>
-              <a:buChar char="Ø"/>
-            </a:pPr>
-            <a:r>
-              <a:rPr lang="en-US" altLang="zh-CN" dirty="0" smtClean="0">
-                <a:solidFill>
-                  <a:schemeClr val="tx1"/>
-                </a:solidFill>
-                <a:latin typeface="Times New Roman" pitchFamily="18" charset="0"/>
-                <a:cs typeface="Times New Roman" pitchFamily="18" charset="0"/>
-              </a:rPr>
-              <a:t>.net II</a:t>
+              <a:t>overall</a:t>
             </a:r>
             <a:endParaRPr lang="en-US" altLang="zh-CN" dirty="0" smtClean="0">
               <a:solidFill>
@@ -7318,7 +7302,92 @@
                 <a:latin typeface="Times New Roman" pitchFamily="18" charset="0"/>
                 <a:cs typeface="Times New Roman" pitchFamily="18" charset="0"/>
               </a:rPr>
-              <a:t>WCF code walkthrough &amp; </a:t>
+              <a:t>Guiding principles </a:t>
+            </a:r>
+          </a:p>
+          <a:p>
+            <a:pPr marL="914400" lvl="1" indent="-457200" algn="l">
+              <a:buFont typeface="Wingdings" panose="05000000000000000000" pitchFamily="2" charset="2"/>
+              <a:buChar char="Ø"/>
+            </a:pPr>
+            <a:r>
+              <a:rPr lang="en-US" altLang="zh-CN" dirty="0" smtClean="0">
+                <a:solidFill>
+                  <a:schemeClr val="tx1"/>
+                </a:solidFill>
+                <a:latin typeface="Times New Roman" pitchFamily="18" charset="0"/>
+                <a:cs typeface="Times New Roman" pitchFamily="18" charset="0"/>
+              </a:rPr>
+              <a:t>Technical </a:t>
+            </a:r>
+            <a:r>
+              <a:rPr lang="en-US" altLang="zh-CN" dirty="0" smtClean="0">
+                <a:solidFill>
+                  <a:schemeClr val="tx1"/>
+                </a:solidFill>
+                <a:latin typeface="Times New Roman" pitchFamily="18" charset="0"/>
+                <a:cs typeface="Times New Roman" pitchFamily="18" charset="0"/>
+              </a:rPr>
+              <a:t>features</a:t>
+            </a:r>
+          </a:p>
+          <a:p>
+            <a:pPr marL="457200" indent="-457200">
+              <a:buFont typeface="Wingdings" panose="05000000000000000000" pitchFamily="2" charset="2"/>
+              <a:buChar char="Ø"/>
+            </a:pPr>
+            <a:r>
+              <a:rPr lang="en-US" altLang="zh-CN" dirty="0" smtClean="0">
+                <a:solidFill>
+                  <a:schemeClr val="tx1"/>
+                </a:solidFill>
+                <a:latin typeface="Times New Roman" pitchFamily="18" charset="0"/>
+                <a:cs typeface="Times New Roman" pitchFamily="18" charset="0"/>
+              </a:rPr>
+              <a:t>.NET </a:t>
+            </a:r>
+            <a:r>
+              <a:rPr lang="en-US" altLang="zh-CN" dirty="0" smtClean="0">
+                <a:solidFill>
+                  <a:schemeClr val="tx1"/>
+                </a:solidFill>
+                <a:latin typeface="Times New Roman" pitchFamily="18" charset="0"/>
+                <a:cs typeface="Times New Roman" pitchFamily="18" charset="0"/>
+              </a:rPr>
+              <a:t>I</a:t>
+            </a:r>
+            <a:endParaRPr lang="en-US" altLang="zh-CN" dirty="0" smtClean="0">
+              <a:solidFill>
+                <a:schemeClr val="tx1"/>
+              </a:solidFill>
+              <a:latin typeface="Times New Roman" pitchFamily="18" charset="0"/>
+              <a:cs typeface="Times New Roman" pitchFamily="18" charset="0"/>
+            </a:endParaRPr>
+          </a:p>
+          <a:p>
+            <a:pPr marL="914400" lvl="1" indent="-457200" algn="l">
+              <a:buFont typeface="Wingdings" panose="05000000000000000000" pitchFamily="2" charset="2"/>
+              <a:buChar char="Ø"/>
+            </a:pPr>
+            <a:r>
+              <a:rPr lang="en-US" altLang="zh-CN" dirty="0" smtClean="0">
+                <a:solidFill>
+                  <a:schemeClr val="tx1"/>
+                </a:solidFill>
+                <a:latin typeface="Times New Roman" pitchFamily="18" charset="0"/>
+                <a:cs typeface="Times New Roman" pitchFamily="18" charset="0"/>
+              </a:rPr>
+              <a:t>Code </a:t>
+            </a:r>
+            <a:r>
+              <a:rPr lang="en-US" altLang="zh-CN" dirty="0">
+                <a:solidFill>
+                  <a:schemeClr val="tx1"/>
+                </a:solidFill>
+                <a:latin typeface="Times New Roman" pitchFamily="18" charset="0"/>
+                <a:cs typeface="Times New Roman" pitchFamily="18" charset="0"/>
+              </a:rPr>
+              <a:t>walkthrough &amp; </a:t>
             </a:r>
             <a:r>
               <a:rPr lang="en-US" altLang="zh-CN" dirty="0" smtClean="0">
@@ -7329,6 +7398,38 @@
                 <a:cs typeface="Times New Roman" pitchFamily="18" charset="0"/>
               </a:rPr>
               <a:t>demo</a:t>
+            </a:r>
+          </a:p>
+          <a:p>
+            <a:pPr marL="457200" indent="-457200">
+              <a:buFont typeface="Wingdings" panose="05000000000000000000" pitchFamily="2" charset="2"/>
+              <a:buChar char="Ø"/>
+            </a:pPr>
+            <a:r>
+              <a:rPr lang="en-US" altLang="zh-CN" dirty="0" smtClean="0">
+                <a:solidFill>
+                  <a:schemeClr val="tx1"/>
+                </a:solidFill>
+                <a:latin typeface="Times New Roman" pitchFamily="18" charset="0"/>
+                <a:cs typeface="Times New Roman" pitchFamily="18" charset="0"/>
+              </a:rPr>
+              <a:t>.net II</a:t>
+            </a:r>
+          </a:p>
+          <a:p>
+            <a:pPr marL="914400" lvl="1" indent="-457200" algn="l">
+              <a:buFont typeface="Wingdings" panose="05000000000000000000" pitchFamily="2" charset="2"/>
+              <a:buChar char="Ø"/>
+            </a:pPr>
+            <a:r>
+              <a:rPr lang="en-US" altLang="zh-CN" dirty="0" smtClean="0">
+                <a:solidFill>
+                  <a:schemeClr val="tx1"/>
+                </a:solidFill>
+                <a:latin typeface="Times New Roman" pitchFamily="18" charset="0"/>
+                <a:cs typeface="Times New Roman" pitchFamily="18" charset="0"/>
+              </a:rPr>
+              <a:t>WCF code walkthrough &amp; demo</a:t>
             </a:r>
           </a:p>
           <a:p>
@@ -7392,6 +7493,126 @@
               <a:latin typeface="Times New Roman" pitchFamily="18" charset="0"/>
               <a:cs typeface="Times New Roman" pitchFamily="18" charset="0"/>
             </a:endParaRPr>
+          </a:p>
+        </p:txBody>
+      </p:sp>
+    </p:spTree>
+  </p:cSld>
+  <p:clrMapOvr>
+    <a:masterClrMapping/>
+  </p:clrMapOvr>
+  <p:timing>
+    <p:tnLst>
+      <p:par>
+        <p:cTn id="1" dur="indefinite" restart="never" nodeType="tmRoot"/>
+      </p:par>
+    </p:tnLst>
+  </p:timing>
+</p:sld>
+</file>
+
+<file path=ppt/slides/slide10.xml><?xml version="1.0" encoding="utf-8"?>
+<p:sld xmlns:a="http://schemas.openxmlformats.org/drawingml/2006/main" xmlns:r="http://schemas.openxmlformats.org/officeDocument/2006/relationships" xmlns:p="http://schemas.openxmlformats.org/presentationml/2006/main">
+  <p:cSld>
+    <p:spTree>
+      <p:nvGrpSpPr>
+        <p:cNvPr id="1" name=""/>
+        <p:cNvGrpSpPr/>
+        <p:nvPr/>
+      </p:nvGrpSpPr>
+      <p:grpSpPr>
+        <a:xfrm>
+          <a:off x="0" y="0"/>
+          <a:ext cx="0" cy="0"/>
+          <a:chOff x="0" y="0"/>
+          <a:chExt cx="0" cy="0"/>
+        </a:xfrm>
+      </p:grpSpPr>
+      <p:sp>
+        <p:nvSpPr>
+          <p:cNvPr id="2" name="标题 1"/>
+          <p:cNvSpPr>
+            <a:spLocks noGrp="1"/>
+          </p:cNvSpPr>
+          <p:nvPr>
+            <p:ph type="title"/>
+          </p:nvPr>
+        </p:nvSpPr>
+        <p:spPr/>
+        <p:txBody>
+          <a:bodyPr/>
+          <a:lstStyle/>
+          <a:p>
+            <a:r>
+              <a:rPr lang="en-US" altLang="zh-CN" dirty="0" smtClean="0"/>
+              <a:t>WWF</a:t>
+            </a:r>
+            <a:endParaRPr lang="zh-CN" altLang="en-US" dirty="0"/>
+          </a:p>
+        </p:txBody>
+      </p:sp>
+      <p:sp>
+        <p:nvSpPr>
+          <p:cNvPr id="3" name="内容占位符 2"/>
+          <p:cNvSpPr>
+            <a:spLocks noGrp="1"/>
+          </p:cNvSpPr>
+          <p:nvPr>
+            <p:ph idx="1"/>
+          </p:nvPr>
+        </p:nvSpPr>
+        <p:spPr/>
+        <p:txBody>
+          <a:bodyPr/>
+          <a:lstStyle/>
+          <a:p>
+            <a:r>
+              <a:rPr lang="en-US" altLang="zh-CN" dirty="0" smtClean="0"/>
+              <a:t>Course confirm process</a:t>
+            </a:r>
+          </a:p>
+          <a:p>
+            <a:pPr lvl="1"/>
+            <a:r>
+              <a:rPr lang="en-US" altLang="zh-CN" dirty="0" smtClean="0"/>
+              <a:t>Code walkthrough</a:t>
+            </a:r>
+          </a:p>
+          <a:p>
+            <a:pPr lvl="1"/>
+            <a:r>
+              <a:rPr lang="en-US" altLang="zh-CN" dirty="0" smtClean="0"/>
+              <a:t>Demo</a:t>
+            </a:r>
+            <a:endParaRPr lang="en-US" altLang="zh-CN" dirty="0" smtClean="0"/>
+          </a:p>
+          <a:p>
+            <a:endParaRPr lang="en-US" altLang="zh-CN" dirty="0" smtClean="0"/>
+          </a:p>
+          <a:p>
+            <a:r>
+              <a:rPr lang="en-US" altLang="zh-CN" dirty="0" smtClean="0"/>
+              <a:t>Course </a:t>
+            </a:r>
+            <a:r>
+              <a:rPr lang="en-US" altLang="zh-CN" dirty="0" smtClean="0"/>
+              <a:t>completion process</a:t>
+            </a:r>
+          </a:p>
+          <a:p>
+            <a:pPr lvl="1"/>
+            <a:r>
+              <a:rPr lang="en-US" altLang="zh-CN" dirty="0" smtClean="0"/>
+              <a:t>Code walkthrough</a:t>
+            </a:r>
+          </a:p>
+          <a:p>
+            <a:pPr lvl="1"/>
+            <a:r>
+              <a:rPr lang="en-US" altLang="zh-CN" smtClean="0"/>
+              <a:t>Demo</a:t>
+            </a:r>
+            <a:endParaRPr lang="zh-CN" altLang="en-US" dirty="0"/>
           </a:p>
         </p:txBody>
       </p:sp>
@@ -10847,15 +11068,7 @@
           <a:p>
             <a:r>
               <a:rPr lang="en-US" altLang="zh-CN" dirty="0" smtClean="0"/>
-              <a:t>BLL: Domain Model </a:t>
-            </a:r>
-            <a:r>
-              <a:rPr lang="en-US" altLang="zh-CN" dirty="0" smtClean="0"/>
-              <a:t>Pattern</a:t>
-            </a:r>
-            <a:r>
-              <a:rPr lang="en-US" altLang="zh-CN" dirty="0" smtClean="0"/>
-              <a:t>, Singleton</a:t>
+              <a:t>BLL: Domain Model Pattern, Singleton</a:t>
             </a:r>
           </a:p>
           <a:p>
@@ -11075,8 +11288,11 @@
           <a:lstStyle/>
           <a:p>
             <a:r>
-              <a:rPr lang="en-US" altLang="zh-CN" dirty="0" smtClean="0"/>
-              <a:t>WCF</a:t>
+              <a:rPr lang="en-US" altLang="zh-CN" dirty="0" smtClean="0">
+                <a:latin typeface="Times New Roman" pitchFamily="18" charset="0"/>
+                <a:cs typeface="Times New Roman" pitchFamily="18" charset="0"/>
+              </a:rPr>
+              <a:t>Code Walkthrough</a:t>
             </a:r>
             <a:endParaRPr lang="zh-CN" altLang="en-US" dirty="0"/>
           </a:p>
@@ -11092,38 +11308,1566 @@
             <p:ph idx="1"/>
           </p:nvPr>
         </p:nvSpPr>
-        <p:spPr/>
+        <p:spPr>
+          <a:xfrm>
+            <a:off x="827700" y="1268761"/>
+            <a:ext cx="5616508" cy="576063"/>
+          </a:xfrm>
+        </p:spPr>
         <p:txBody>
           <a:bodyPr/>
           <a:lstStyle/>
           <a:p>
             <a:r>
               <a:rPr lang="en-US" altLang="zh-CN" dirty="0" smtClean="0"/>
-              <a:t>Functionality code walkthrough</a:t>
-            </a:r>
-          </a:p>
-          <a:p>
-            <a:pPr lvl="1"/>
-            <a:r>
-              <a:rPr lang="en-US" altLang="zh-CN" dirty="0" smtClean="0"/>
-              <a:t>Course registration </a:t>
-            </a:r>
-          </a:p>
-          <a:p>
-            <a:pPr lvl="1"/>
-            <a:r>
-              <a:rPr lang="en-US" altLang="zh-CN" dirty="0" smtClean="0"/>
-              <a:t>Attendance system</a:t>
-            </a:r>
-          </a:p>
-          <a:p>
-            <a:pPr>
-              <a:buNone/>
-            </a:pPr>
-            <a:r>
-              <a:rPr lang="en-US" altLang="zh-CN" dirty="0" smtClean="0"/>
-              <a:t>	</a:t>
-            </a:r>
+              <a:t>DAL inner structure</a:t>
+            </a:r>
+          </a:p>
+          <a:p>
+            <a:endParaRPr lang="en-US" altLang="zh-CN" dirty="0" smtClean="0"/>
+          </a:p>
+          <a:p>
+            <a:endParaRPr lang="zh-CN" altLang="en-US" dirty="0"/>
+          </a:p>
+        </p:txBody>
+      </p:sp>
+      <p:sp>
+        <p:nvSpPr>
+          <p:cNvPr id="6" name="流程图: 磁盘 5"/>
+          <p:cNvSpPr/>
+          <p:nvPr/>
+        </p:nvSpPr>
+        <p:spPr>
+          <a:xfrm>
+            <a:off x="4102249" y="5295033"/>
+            <a:ext cx="1408374" cy="1105124"/>
+          </a:xfrm>
+          <a:prstGeom prst="flowChartMagneticDisk">
+            <a:avLst/>
+          </a:prstGeom>
+        </p:spPr>
+        <p:style>
+          <a:lnRef idx="1">
+            <a:schemeClr val="accent1"/>
+          </a:lnRef>
+          <a:fillRef idx="2">
+            <a:schemeClr val="accent1"/>
+          </a:fillRef>
+          <a:effectRef idx="1">
+            <a:schemeClr val="accent1"/>
+          </a:effectRef>
+          <a:fontRef idx="minor">
+            <a:schemeClr val="dk1"/>
+          </a:fontRef>
+        </p:style>
+        <p:txBody>
+          <a:bodyPr rtlCol="0" anchor="ctr"/>
+          <a:lstStyle>
+            <a:lvl1pPr marL="0" indent="0">
+              <a:defRPr sz="1100">
+                <a:solidFill>
+                  <a:schemeClr val="dk1"/>
+                </a:solidFill>
+                <a:latin typeface="+mn-lt"/>
+                <a:ea typeface="+mn-ea"/>
+                <a:cs typeface="+mn-cs"/>
+              </a:defRPr>
+            </a:lvl1pPr>
+            <a:lvl2pPr marL="457200" indent="0">
+              <a:defRPr sz="1100">
+                <a:solidFill>
+                  <a:schemeClr val="dk1"/>
+                </a:solidFill>
+                <a:latin typeface="+mn-lt"/>
+                <a:ea typeface="+mn-ea"/>
+                <a:cs typeface="+mn-cs"/>
+              </a:defRPr>
+            </a:lvl2pPr>
+            <a:lvl3pPr marL="914400" indent="0">
+              <a:defRPr sz="1100">
+                <a:solidFill>
+                  <a:schemeClr val="dk1"/>
+                </a:solidFill>
+                <a:latin typeface="+mn-lt"/>
+                <a:ea typeface="+mn-ea"/>
+                <a:cs typeface="+mn-cs"/>
+              </a:defRPr>
+            </a:lvl3pPr>
+            <a:lvl4pPr marL="1371600" indent="0">
+              <a:defRPr sz="1100">
+                <a:solidFill>
+                  <a:schemeClr val="dk1"/>
+                </a:solidFill>
+                <a:latin typeface="+mn-lt"/>
+                <a:ea typeface="+mn-ea"/>
+                <a:cs typeface="+mn-cs"/>
+              </a:defRPr>
+            </a:lvl4pPr>
+            <a:lvl5pPr marL="1828800" indent="0">
+              <a:defRPr sz="1100">
+                <a:solidFill>
+                  <a:schemeClr val="dk1"/>
+                </a:solidFill>
+                <a:latin typeface="+mn-lt"/>
+                <a:ea typeface="+mn-ea"/>
+                <a:cs typeface="+mn-cs"/>
+              </a:defRPr>
+            </a:lvl5pPr>
+            <a:lvl6pPr marL="2286000" indent="0">
+              <a:defRPr sz="1100">
+                <a:solidFill>
+                  <a:schemeClr val="dk1"/>
+                </a:solidFill>
+                <a:latin typeface="+mn-lt"/>
+                <a:ea typeface="+mn-ea"/>
+                <a:cs typeface="+mn-cs"/>
+              </a:defRPr>
+            </a:lvl6pPr>
+            <a:lvl7pPr marL="2743200" indent="0">
+              <a:defRPr sz="1100">
+                <a:solidFill>
+                  <a:schemeClr val="dk1"/>
+                </a:solidFill>
+                <a:latin typeface="+mn-lt"/>
+                <a:ea typeface="+mn-ea"/>
+                <a:cs typeface="+mn-cs"/>
+              </a:defRPr>
+            </a:lvl7pPr>
+            <a:lvl8pPr marL="3200400" indent="0">
+              <a:defRPr sz="1100">
+                <a:solidFill>
+                  <a:schemeClr val="dk1"/>
+                </a:solidFill>
+                <a:latin typeface="+mn-lt"/>
+                <a:ea typeface="+mn-ea"/>
+                <a:cs typeface="+mn-cs"/>
+              </a:defRPr>
+            </a:lvl8pPr>
+            <a:lvl9pPr marL="3657600" indent="0">
+              <a:defRPr sz="1100">
+                <a:solidFill>
+                  <a:schemeClr val="dk1"/>
+                </a:solidFill>
+                <a:latin typeface="+mn-lt"/>
+                <a:ea typeface="+mn-ea"/>
+                <a:cs typeface="+mn-cs"/>
+              </a:defRPr>
+            </a:lvl9pPr>
+          </a:lstStyle>
+          <a:p>
+            <a:pPr algn="ctr"/>
+            <a:r>
+              <a:rPr lang="en-US" altLang="zh-CN" sz="1100"/>
+              <a:t>DB</a:t>
+            </a:r>
+            <a:endParaRPr lang="zh-CN" altLang="en-US" sz="1100"/>
+          </a:p>
+        </p:txBody>
+      </p:sp>
+      <p:sp>
+        <p:nvSpPr>
+          <p:cNvPr id="8" name="矩形 7"/>
+          <p:cNvSpPr/>
+          <p:nvPr/>
+        </p:nvSpPr>
+        <p:spPr>
+          <a:xfrm>
+            <a:off x="1603166" y="4757103"/>
+            <a:ext cx="6300134" cy="344274"/>
+          </a:xfrm>
+          <a:prstGeom prst="rect">
+            <a:avLst/>
+          </a:prstGeom>
+        </p:spPr>
+        <p:style>
+          <a:lnRef idx="1">
+            <a:schemeClr val="dk1"/>
+          </a:lnRef>
+          <a:fillRef idx="2">
+            <a:schemeClr val="dk1"/>
+          </a:fillRef>
+          <a:effectRef idx="1">
+            <a:schemeClr val="dk1"/>
+          </a:effectRef>
+          <a:fontRef idx="minor">
+            <a:schemeClr val="dk1"/>
+          </a:fontRef>
+        </p:style>
+        <p:txBody>
+          <a:bodyPr rtlCol="0" anchor="ctr"/>
+          <a:lstStyle>
+            <a:lvl1pPr marL="0" indent="0">
+              <a:defRPr sz="1100">
+                <a:solidFill>
+                  <a:schemeClr val="dk1"/>
+                </a:solidFill>
+                <a:latin typeface="+mn-lt"/>
+                <a:ea typeface="+mn-ea"/>
+                <a:cs typeface="+mn-cs"/>
+              </a:defRPr>
+            </a:lvl1pPr>
+            <a:lvl2pPr marL="457200" indent="0">
+              <a:defRPr sz="1100">
+                <a:solidFill>
+                  <a:schemeClr val="dk1"/>
+                </a:solidFill>
+                <a:latin typeface="+mn-lt"/>
+                <a:ea typeface="+mn-ea"/>
+                <a:cs typeface="+mn-cs"/>
+              </a:defRPr>
+            </a:lvl2pPr>
+            <a:lvl3pPr marL="914400" indent="0">
+              <a:defRPr sz="1100">
+                <a:solidFill>
+                  <a:schemeClr val="dk1"/>
+                </a:solidFill>
+                <a:latin typeface="+mn-lt"/>
+                <a:ea typeface="+mn-ea"/>
+                <a:cs typeface="+mn-cs"/>
+              </a:defRPr>
+            </a:lvl3pPr>
+            <a:lvl4pPr marL="1371600" indent="0">
+              <a:defRPr sz="1100">
+                <a:solidFill>
+                  <a:schemeClr val="dk1"/>
+                </a:solidFill>
+                <a:latin typeface="+mn-lt"/>
+                <a:ea typeface="+mn-ea"/>
+                <a:cs typeface="+mn-cs"/>
+              </a:defRPr>
+            </a:lvl4pPr>
+            <a:lvl5pPr marL="1828800" indent="0">
+              <a:defRPr sz="1100">
+                <a:solidFill>
+                  <a:schemeClr val="dk1"/>
+                </a:solidFill>
+                <a:latin typeface="+mn-lt"/>
+                <a:ea typeface="+mn-ea"/>
+                <a:cs typeface="+mn-cs"/>
+              </a:defRPr>
+            </a:lvl5pPr>
+            <a:lvl6pPr marL="2286000" indent="0">
+              <a:defRPr sz="1100">
+                <a:solidFill>
+                  <a:schemeClr val="dk1"/>
+                </a:solidFill>
+                <a:latin typeface="+mn-lt"/>
+                <a:ea typeface="+mn-ea"/>
+                <a:cs typeface="+mn-cs"/>
+              </a:defRPr>
+            </a:lvl6pPr>
+            <a:lvl7pPr marL="2743200" indent="0">
+              <a:defRPr sz="1100">
+                <a:solidFill>
+                  <a:schemeClr val="dk1"/>
+                </a:solidFill>
+                <a:latin typeface="+mn-lt"/>
+                <a:ea typeface="+mn-ea"/>
+                <a:cs typeface="+mn-cs"/>
+              </a:defRPr>
+            </a:lvl7pPr>
+            <a:lvl8pPr marL="3200400" indent="0">
+              <a:defRPr sz="1100">
+                <a:solidFill>
+                  <a:schemeClr val="dk1"/>
+                </a:solidFill>
+                <a:latin typeface="+mn-lt"/>
+                <a:ea typeface="+mn-ea"/>
+                <a:cs typeface="+mn-cs"/>
+              </a:defRPr>
+            </a:lvl8pPr>
+            <a:lvl9pPr marL="3657600" indent="0">
+              <a:defRPr sz="1100">
+                <a:solidFill>
+                  <a:schemeClr val="dk1"/>
+                </a:solidFill>
+                <a:latin typeface="+mn-lt"/>
+                <a:ea typeface="+mn-ea"/>
+                <a:cs typeface="+mn-cs"/>
+              </a:defRPr>
+            </a:lvl9pPr>
+          </a:lstStyle>
+          <a:p>
+            <a:pPr algn="ctr"/>
+            <a:r>
+              <a:rPr lang="en-US" altLang="zh-CN" sz="1100"/>
+              <a:t>Entity Framework</a:t>
+            </a:r>
+            <a:endParaRPr lang="zh-CN" altLang="en-US" sz="1100"/>
+          </a:p>
+        </p:txBody>
+      </p:sp>
+      <p:sp>
+        <p:nvSpPr>
+          <p:cNvPr id="10" name="矩形 9"/>
+          <p:cNvSpPr/>
+          <p:nvPr/>
+        </p:nvSpPr>
+        <p:spPr>
+          <a:xfrm>
+            <a:off x="2415804" y="2564904"/>
+            <a:ext cx="4701072" cy="1973495"/>
+          </a:xfrm>
+          <a:prstGeom prst="rect">
+            <a:avLst/>
+          </a:prstGeom>
+        </p:spPr>
+        <p:style>
+          <a:lnRef idx="1">
+            <a:schemeClr val="dk1"/>
+          </a:lnRef>
+          <a:fillRef idx="2">
+            <a:schemeClr val="dk1"/>
+          </a:fillRef>
+          <a:effectRef idx="1">
+            <a:schemeClr val="dk1"/>
+          </a:effectRef>
+          <a:fontRef idx="minor">
+            <a:schemeClr val="dk1"/>
+          </a:fontRef>
+        </p:style>
+        <p:txBody>
+          <a:bodyPr rtlCol="0" anchor="t"/>
+          <a:lstStyle>
+            <a:lvl1pPr marL="0" indent="0">
+              <a:defRPr sz="1100">
+                <a:solidFill>
+                  <a:schemeClr val="dk1"/>
+                </a:solidFill>
+                <a:latin typeface="+mn-lt"/>
+                <a:ea typeface="+mn-ea"/>
+                <a:cs typeface="+mn-cs"/>
+              </a:defRPr>
+            </a:lvl1pPr>
+            <a:lvl2pPr marL="457200" indent="0">
+              <a:defRPr sz="1100">
+                <a:solidFill>
+                  <a:schemeClr val="dk1"/>
+                </a:solidFill>
+                <a:latin typeface="+mn-lt"/>
+                <a:ea typeface="+mn-ea"/>
+                <a:cs typeface="+mn-cs"/>
+              </a:defRPr>
+            </a:lvl2pPr>
+            <a:lvl3pPr marL="914400" indent="0">
+              <a:defRPr sz="1100">
+                <a:solidFill>
+                  <a:schemeClr val="dk1"/>
+                </a:solidFill>
+                <a:latin typeface="+mn-lt"/>
+                <a:ea typeface="+mn-ea"/>
+                <a:cs typeface="+mn-cs"/>
+              </a:defRPr>
+            </a:lvl3pPr>
+            <a:lvl4pPr marL="1371600" indent="0">
+              <a:defRPr sz="1100">
+                <a:solidFill>
+                  <a:schemeClr val="dk1"/>
+                </a:solidFill>
+                <a:latin typeface="+mn-lt"/>
+                <a:ea typeface="+mn-ea"/>
+                <a:cs typeface="+mn-cs"/>
+              </a:defRPr>
+            </a:lvl4pPr>
+            <a:lvl5pPr marL="1828800" indent="0">
+              <a:defRPr sz="1100">
+                <a:solidFill>
+                  <a:schemeClr val="dk1"/>
+                </a:solidFill>
+                <a:latin typeface="+mn-lt"/>
+                <a:ea typeface="+mn-ea"/>
+                <a:cs typeface="+mn-cs"/>
+              </a:defRPr>
+            </a:lvl5pPr>
+            <a:lvl6pPr marL="2286000" indent="0">
+              <a:defRPr sz="1100">
+                <a:solidFill>
+                  <a:schemeClr val="dk1"/>
+                </a:solidFill>
+                <a:latin typeface="+mn-lt"/>
+                <a:ea typeface="+mn-ea"/>
+                <a:cs typeface="+mn-cs"/>
+              </a:defRPr>
+            </a:lvl6pPr>
+            <a:lvl7pPr marL="2743200" indent="0">
+              <a:defRPr sz="1100">
+                <a:solidFill>
+                  <a:schemeClr val="dk1"/>
+                </a:solidFill>
+                <a:latin typeface="+mn-lt"/>
+                <a:ea typeface="+mn-ea"/>
+                <a:cs typeface="+mn-cs"/>
+              </a:defRPr>
+            </a:lvl7pPr>
+            <a:lvl8pPr marL="3200400" indent="0">
+              <a:defRPr sz="1100">
+                <a:solidFill>
+                  <a:schemeClr val="dk1"/>
+                </a:solidFill>
+                <a:latin typeface="+mn-lt"/>
+                <a:ea typeface="+mn-ea"/>
+                <a:cs typeface="+mn-cs"/>
+              </a:defRPr>
+            </a:lvl8pPr>
+            <a:lvl9pPr marL="3657600" indent="0">
+              <a:defRPr sz="1100">
+                <a:solidFill>
+                  <a:schemeClr val="dk1"/>
+                </a:solidFill>
+                <a:latin typeface="+mn-lt"/>
+                <a:ea typeface="+mn-ea"/>
+                <a:cs typeface="+mn-cs"/>
+              </a:defRPr>
+            </a:lvl9pPr>
+          </a:lstStyle>
+          <a:p>
+            <a:pPr algn="ctr"/>
+            <a:r>
+              <a:rPr lang="en-US" altLang="zh-CN" sz="1100" b="1" dirty="0"/>
+              <a:t>Data Access</a:t>
+            </a:r>
+            <a:r>
+              <a:rPr lang="en-US" altLang="zh-CN" sz="1100" b="1" baseline="0" dirty="0"/>
+              <a:t> Layer</a:t>
+            </a:r>
+          </a:p>
+          <a:p>
+            <a:pPr algn="ctr"/>
+            <a:endParaRPr lang="zh-CN" altLang="en-US" sz="1100" dirty="0"/>
+          </a:p>
+        </p:txBody>
+      </p:sp>
+      <p:sp>
+        <p:nvSpPr>
+          <p:cNvPr id="11" name="矩形 10"/>
+          <p:cNvSpPr/>
+          <p:nvPr/>
+        </p:nvSpPr>
+        <p:spPr>
+          <a:xfrm>
+            <a:off x="2411760" y="2060848"/>
+            <a:ext cx="4718548" cy="362261"/>
+          </a:xfrm>
+          <a:prstGeom prst="rect">
+            <a:avLst/>
+          </a:prstGeom>
+        </p:spPr>
+        <p:style>
+          <a:lnRef idx="1">
+            <a:schemeClr val="dk1"/>
+          </a:lnRef>
+          <a:fillRef idx="2">
+            <a:schemeClr val="dk1"/>
+          </a:fillRef>
+          <a:effectRef idx="1">
+            <a:schemeClr val="dk1"/>
+          </a:effectRef>
+          <a:fontRef idx="minor">
+            <a:schemeClr val="dk1"/>
+          </a:fontRef>
+        </p:style>
+        <p:txBody>
+          <a:bodyPr rtlCol="0" anchor="t"/>
+          <a:lstStyle>
+            <a:lvl1pPr marL="0" indent="0">
+              <a:defRPr sz="1100">
+                <a:solidFill>
+                  <a:schemeClr val="dk1"/>
+                </a:solidFill>
+                <a:latin typeface="+mn-lt"/>
+                <a:ea typeface="+mn-ea"/>
+                <a:cs typeface="+mn-cs"/>
+              </a:defRPr>
+            </a:lvl1pPr>
+            <a:lvl2pPr marL="457200" indent="0">
+              <a:defRPr sz="1100">
+                <a:solidFill>
+                  <a:schemeClr val="dk1"/>
+                </a:solidFill>
+                <a:latin typeface="+mn-lt"/>
+                <a:ea typeface="+mn-ea"/>
+                <a:cs typeface="+mn-cs"/>
+              </a:defRPr>
+            </a:lvl2pPr>
+            <a:lvl3pPr marL="914400" indent="0">
+              <a:defRPr sz="1100">
+                <a:solidFill>
+                  <a:schemeClr val="dk1"/>
+                </a:solidFill>
+                <a:latin typeface="+mn-lt"/>
+                <a:ea typeface="+mn-ea"/>
+                <a:cs typeface="+mn-cs"/>
+              </a:defRPr>
+            </a:lvl3pPr>
+            <a:lvl4pPr marL="1371600" indent="0">
+              <a:defRPr sz="1100">
+                <a:solidFill>
+                  <a:schemeClr val="dk1"/>
+                </a:solidFill>
+                <a:latin typeface="+mn-lt"/>
+                <a:ea typeface="+mn-ea"/>
+                <a:cs typeface="+mn-cs"/>
+              </a:defRPr>
+            </a:lvl4pPr>
+            <a:lvl5pPr marL="1828800" indent="0">
+              <a:defRPr sz="1100">
+                <a:solidFill>
+                  <a:schemeClr val="dk1"/>
+                </a:solidFill>
+                <a:latin typeface="+mn-lt"/>
+                <a:ea typeface="+mn-ea"/>
+                <a:cs typeface="+mn-cs"/>
+              </a:defRPr>
+            </a:lvl5pPr>
+            <a:lvl6pPr marL="2286000" indent="0">
+              <a:defRPr sz="1100">
+                <a:solidFill>
+                  <a:schemeClr val="dk1"/>
+                </a:solidFill>
+                <a:latin typeface="+mn-lt"/>
+                <a:ea typeface="+mn-ea"/>
+                <a:cs typeface="+mn-cs"/>
+              </a:defRPr>
+            </a:lvl6pPr>
+            <a:lvl7pPr marL="2743200" indent="0">
+              <a:defRPr sz="1100">
+                <a:solidFill>
+                  <a:schemeClr val="dk1"/>
+                </a:solidFill>
+                <a:latin typeface="+mn-lt"/>
+                <a:ea typeface="+mn-ea"/>
+                <a:cs typeface="+mn-cs"/>
+              </a:defRPr>
+            </a:lvl7pPr>
+            <a:lvl8pPr marL="3200400" indent="0">
+              <a:defRPr sz="1100">
+                <a:solidFill>
+                  <a:schemeClr val="dk1"/>
+                </a:solidFill>
+                <a:latin typeface="+mn-lt"/>
+                <a:ea typeface="+mn-ea"/>
+                <a:cs typeface="+mn-cs"/>
+              </a:defRPr>
+            </a:lvl8pPr>
+            <a:lvl9pPr marL="3657600" indent="0">
+              <a:defRPr sz="1100">
+                <a:solidFill>
+                  <a:schemeClr val="dk1"/>
+                </a:solidFill>
+                <a:latin typeface="+mn-lt"/>
+                <a:ea typeface="+mn-ea"/>
+                <a:cs typeface="+mn-cs"/>
+              </a:defRPr>
+            </a:lvl9pPr>
+          </a:lstStyle>
+          <a:p>
+            <a:pPr algn="ctr"/>
+            <a:r>
+              <a:rPr lang="en-US" altLang="zh-CN" sz="1100" b="1" dirty="0"/>
+              <a:t>Business</a:t>
+            </a:r>
+            <a:r>
+              <a:rPr lang="en-US" altLang="zh-CN" sz="1100" b="1" baseline="0" dirty="0"/>
+              <a:t> Logic Layer</a:t>
+            </a:r>
+          </a:p>
+          <a:p>
+            <a:pPr algn="ctr"/>
+            <a:endParaRPr lang="zh-CN" altLang="en-US" sz="1100" dirty="0"/>
+          </a:p>
+        </p:txBody>
+      </p:sp>
+      <p:sp>
+        <p:nvSpPr>
+          <p:cNvPr id="15" name="左右箭头 14"/>
+          <p:cNvSpPr/>
+          <p:nvPr/>
+        </p:nvSpPr>
+        <p:spPr>
+          <a:xfrm rot="5400000">
+            <a:off x="4608003" y="4473116"/>
+            <a:ext cx="432048" cy="216024"/>
+          </a:xfrm>
+          <a:prstGeom prst="leftRightArrow">
+            <a:avLst/>
+          </a:prstGeom>
+        </p:spPr>
+        <p:style>
+          <a:lnRef idx="2">
+            <a:schemeClr val="accent4"/>
+          </a:lnRef>
+          <a:fillRef idx="1">
+            <a:schemeClr val="lt1"/>
+          </a:fillRef>
+          <a:effectRef idx="0">
+            <a:schemeClr val="accent4"/>
+          </a:effectRef>
+          <a:fontRef idx="minor">
+            <a:schemeClr val="dk1"/>
+          </a:fontRef>
+        </p:style>
+        <p:txBody>
+          <a:bodyPr rtlCol="0" anchor="ctr"/>
+          <a:lstStyle>
+            <a:lvl1pPr marL="0" indent="0">
+              <a:defRPr sz="1100">
+                <a:solidFill>
+                  <a:schemeClr val="dk1"/>
+                </a:solidFill>
+                <a:latin typeface="+mn-lt"/>
+                <a:ea typeface="+mn-ea"/>
+                <a:cs typeface="+mn-cs"/>
+              </a:defRPr>
+            </a:lvl1pPr>
+            <a:lvl2pPr marL="457200" indent="0">
+              <a:defRPr sz="1100">
+                <a:solidFill>
+                  <a:schemeClr val="dk1"/>
+                </a:solidFill>
+                <a:latin typeface="+mn-lt"/>
+                <a:ea typeface="+mn-ea"/>
+                <a:cs typeface="+mn-cs"/>
+              </a:defRPr>
+            </a:lvl2pPr>
+            <a:lvl3pPr marL="914400" indent="0">
+              <a:defRPr sz="1100">
+                <a:solidFill>
+                  <a:schemeClr val="dk1"/>
+                </a:solidFill>
+                <a:latin typeface="+mn-lt"/>
+                <a:ea typeface="+mn-ea"/>
+                <a:cs typeface="+mn-cs"/>
+              </a:defRPr>
+            </a:lvl3pPr>
+            <a:lvl4pPr marL="1371600" indent="0">
+              <a:defRPr sz="1100">
+                <a:solidFill>
+                  <a:schemeClr val="dk1"/>
+                </a:solidFill>
+                <a:latin typeface="+mn-lt"/>
+                <a:ea typeface="+mn-ea"/>
+                <a:cs typeface="+mn-cs"/>
+              </a:defRPr>
+            </a:lvl4pPr>
+            <a:lvl5pPr marL="1828800" indent="0">
+              <a:defRPr sz="1100">
+                <a:solidFill>
+                  <a:schemeClr val="dk1"/>
+                </a:solidFill>
+                <a:latin typeface="+mn-lt"/>
+                <a:ea typeface="+mn-ea"/>
+                <a:cs typeface="+mn-cs"/>
+              </a:defRPr>
+            </a:lvl5pPr>
+            <a:lvl6pPr marL="2286000" indent="0">
+              <a:defRPr sz="1100">
+                <a:solidFill>
+                  <a:schemeClr val="dk1"/>
+                </a:solidFill>
+                <a:latin typeface="+mn-lt"/>
+                <a:ea typeface="+mn-ea"/>
+                <a:cs typeface="+mn-cs"/>
+              </a:defRPr>
+            </a:lvl6pPr>
+            <a:lvl7pPr marL="2743200" indent="0">
+              <a:defRPr sz="1100">
+                <a:solidFill>
+                  <a:schemeClr val="dk1"/>
+                </a:solidFill>
+                <a:latin typeface="+mn-lt"/>
+                <a:ea typeface="+mn-ea"/>
+                <a:cs typeface="+mn-cs"/>
+              </a:defRPr>
+            </a:lvl7pPr>
+            <a:lvl8pPr marL="3200400" indent="0">
+              <a:defRPr sz="1100">
+                <a:solidFill>
+                  <a:schemeClr val="dk1"/>
+                </a:solidFill>
+                <a:latin typeface="+mn-lt"/>
+                <a:ea typeface="+mn-ea"/>
+                <a:cs typeface="+mn-cs"/>
+              </a:defRPr>
+            </a:lvl8pPr>
+            <a:lvl9pPr marL="3657600" indent="0">
+              <a:defRPr sz="1100">
+                <a:solidFill>
+                  <a:schemeClr val="dk1"/>
+                </a:solidFill>
+                <a:latin typeface="+mn-lt"/>
+                <a:ea typeface="+mn-ea"/>
+                <a:cs typeface="+mn-cs"/>
+              </a:defRPr>
+            </a:lvl9pPr>
+          </a:lstStyle>
+          <a:p>
+            <a:pPr algn="ctr"/>
+            <a:endParaRPr lang="zh-CN" altLang="en-US" sz="1100"/>
+          </a:p>
+        </p:txBody>
+      </p:sp>
+      <p:sp>
+        <p:nvSpPr>
+          <p:cNvPr id="21" name="左右箭头 20"/>
+          <p:cNvSpPr/>
+          <p:nvPr/>
+        </p:nvSpPr>
+        <p:spPr>
+          <a:xfrm rot="5400000">
+            <a:off x="4626361" y="2366527"/>
+            <a:ext cx="251318" cy="216024"/>
+          </a:xfrm>
+          <a:prstGeom prst="leftRightArrow">
+            <a:avLst/>
+          </a:prstGeom>
+        </p:spPr>
+        <p:style>
+          <a:lnRef idx="2">
+            <a:schemeClr val="accent4"/>
+          </a:lnRef>
+          <a:fillRef idx="1">
+            <a:schemeClr val="lt1"/>
+          </a:fillRef>
+          <a:effectRef idx="0">
+            <a:schemeClr val="accent4"/>
+          </a:effectRef>
+          <a:fontRef idx="minor">
+            <a:schemeClr val="dk1"/>
+          </a:fontRef>
+        </p:style>
+        <p:txBody>
+          <a:bodyPr rtlCol="0" anchor="ctr"/>
+          <a:lstStyle>
+            <a:lvl1pPr marL="0" indent="0">
+              <a:defRPr sz="1100">
+                <a:solidFill>
+                  <a:schemeClr val="dk1"/>
+                </a:solidFill>
+                <a:latin typeface="+mn-lt"/>
+                <a:ea typeface="+mn-ea"/>
+                <a:cs typeface="+mn-cs"/>
+              </a:defRPr>
+            </a:lvl1pPr>
+            <a:lvl2pPr marL="457200" indent="0">
+              <a:defRPr sz="1100">
+                <a:solidFill>
+                  <a:schemeClr val="dk1"/>
+                </a:solidFill>
+                <a:latin typeface="+mn-lt"/>
+                <a:ea typeface="+mn-ea"/>
+                <a:cs typeface="+mn-cs"/>
+              </a:defRPr>
+            </a:lvl2pPr>
+            <a:lvl3pPr marL="914400" indent="0">
+              <a:defRPr sz="1100">
+                <a:solidFill>
+                  <a:schemeClr val="dk1"/>
+                </a:solidFill>
+                <a:latin typeface="+mn-lt"/>
+                <a:ea typeface="+mn-ea"/>
+                <a:cs typeface="+mn-cs"/>
+              </a:defRPr>
+            </a:lvl3pPr>
+            <a:lvl4pPr marL="1371600" indent="0">
+              <a:defRPr sz="1100">
+                <a:solidFill>
+                  <a:schemeClr val="dk1"/>
+                </a:solidFill>
+                <a:latin typeface="+mn-lt"/>
+                <a:ea typeface="+mn-ea"/>
+                <a:cs typeface="+mn-cs"/>
+              </a:defRPr>
+            </a:lvl4pPr>
+            <a:lvl5pPr marL="1828800" indent="0">
+              <a:defRPr sz="1100">
+                <a:solidFill>
+                  <a:schemeClr val="dk1"/>
+                </a:solidFill>
+                <a:latin typeface="+mn-lt"/>
+                <a:ea typeface="+mn-ea"/>
+                <a:cs typeface="+mn-cs"/>
+              </a:defRPr>
+            </a:lvl5pPr>
+            <a:lvl6pPr marL="2286000" indent="0">
+              <a:defRPr sz="1100">
+                <a:solidFill>
+                  <a:schemeClr val="dk1"/>
+                </a:solidFill>
+                <a:latin typeface="+mn-lt"/>
+                <a:ea typeface="+mn-ea"/>
+                <a:cs typeface="+mn-cs"/>
+              </a:defRPr>
+            </a:lvl6pPr>
+            <a:lvl7pPr marL="2743200" indent="0">
+              <a:defRPr sz="1100">
+                <a:solidFill>
+                  <a:schemeClr val="dk1"/>
+                </a:solidFill>
+                <a:latin typeface="+mn-lt"/>
+                <a:ea typeface="+mn-ea"/>
+                <a:cs typeface="+mn-cs"/>
+              </a:defRPr>
+            </a:lvl7pPr>
+            <a:lvl8pPr marL="3200400" indent="0">
+              <a:defRPr sz="1100">
+                <a:solidFill>
+                  <a:schemeClr val="dk1"/>
+                </a:solidFill>
+                <a:latin typeface="+mn-lt"/>
+                <a:ea typeface="+mn-ea"/>
+                <a:cs typeface="+mn-cs"/>
+              </a:defRPr>
+            </a:lvl8pPr>
+            <a:lvl9pPr marL="3657600" indent="0">
+              <a:defRPr sz="1100">
+                <a:solidFill>
+                  <a:schemeClr val="dk1"/>
+                </a:solidFill>
+                <a:latin typeface="+mn-lt"/>
+                <a:ea typeface="+mn-ea"/>
+                <a:cs typeface="+mn-cs"/>
+              </a:defRPr>
+            </a:lvl9pPr>
+          </a:lstStyle>
+          <a:p>
+            <a:pPr algn="ctr"/>
+            <a:endParaRPr lang="zh-CN" altLang="en-US" sz="1100"/>
+          </a:p>
+        </p:txBody>
+      </p:sp>
+      <p:sp>
+        <p:nvSpPr>
+          <p:cNvPr id="29" name="矩形 28"/>
+          <p:cNvSpPr/>
+          <p:nvPr/>
+        </p:nvSpPr>
+        <p:spPr>
+          <a:xfrm>
+            <a:off x="2555776" y="2780928"/>
+            <a:ext cx="4464496" cy="1575792"/>
+          </a:xfrm>
+          <a:prstGeom prst="rect">
+            <a:avLst/>
+          </a:prstGeom>
+        </p:spPr>
+        <p:style>
+          <a:lnRef idx="1">
+            <a:schemeClr val="accent4"/>
+          </a:lnRef>
+          <a:fillRef idx="2">
+            <a:schemeClr val="accent4"/>
+          </a:fillRef>
+          <a:effectRef idx="1">
+            <a:schemeClr val="accent4"/>
+          </a:effectRef>
+          <a:fontRef idx="minor">
+            <a:schemeClr val="dk1"/>
+          </a:fontRef>
+        </p:style>
+        <p:txBody>
+          <a:bodyPr rtlCol="0" anchor="t"/>
+          <a:lstStyle>
+            <a:lvl1pPr marL="0" indent="0">
+              <a:defRPr sz="1100">
+                <a:solidFill>
+                  <a:schemeClr val="dk1"/>
+                </a:solidFill>
+                <a:latin typeface="+mn-lt"/>
+                <a:ea typeface="+mn-ea"/>
+                <a:cs typeface="+mn-cs"/>
+              </a:defRPr>
+            </a:lvl1pPr>
+            <a:lvl2pPr marL="457200" indent="0">
+              <a:defRPr sz="1100">
+                <a:solidFill>
+                  <a:schemeClr val="dk1"/>
+                </a:solidFill>
+                <a:latin typeface="+mn-lt"/>
+                <a:ea typeface="+mn-ea"/>
+                <a:cs typeface="+mn-cs"/>
+              </a:defRPr>
+            </a:lvl2pPr>
+            <a:lvl3pPr marL="914400" indent="0">
+              <a:defRPr sz="1100">
+                <a:solidFill>
+                  <a:schemeClr val="dk1"/>
+                </a:solidFill>
+                <a:latin typeface="+mn-lt"/>
+                <a:ea typeface="+mn-ea"/>
+                <a:cs typeface="+mn-cs"/>
+              </a:defRPr>
+            </a:lvl3pPr>
+            <a:lvl4pPr marL="1371600" indent="0">
+              <a:defRPr sz="1100">
+                <a:solidFill>
+                  <a:schemeClr val="dk1"/>
+                </a:solidFill>
+                <a:latin typeface="+mn-lt"/>
+                <a:ea typeface="+mn-ea"/>
+                <a:cs typeface="+mn-cs"/>
+              </a:defRPr>
+            </a:lvl4pPr>
+            <a:lvl5pPr marL="1828800" indent="0">
+              <a:defRPr sz="1100">
+                <a:solidFill>
+                  <a:schemeClr val="dk1"/>
+                </a:solidFill>
+                <a:latin typeface="+mn-lt"/>
+                <a:ea typeface="+mn-ea"/>
+                <a:cs typeface="+mn-cs"/>
+              </a:defRPr>
+            </a:lvl5pPr>
+            <a:lvl6pPr marL="2286000" indent="0">
+              <a:defRPr sz="1100">
+                <a:solidFill>
+                  <a:schemeClr val="dk1"/>
+                </a:solidFill>
+                <a:latin typeface="+mn-lt"/>
+                <a:ea typeface="+mn-ea"/>
+                <a:cs typeface="+mn-cs"/>
+              </a:defRPr>
+            </a:lvl6pPr>
+            <a:lvl7pPr marL="2743200" indent="0">
+              <a:defRPr sz="1100">
+                <a:solidFill>
+                  <a:schemeClr val="dk1"/>
+                </a:solidFill>
+                <a:latin typeface="+mn-lt"/>
+                <a:ea typeface="+mn-ea"/>
+                <a:cs typeface="+mn-cs"/>
+              </a:defRPr>
+            </a:lvl7pPr>
+            <a:lvl8pPr marL="3200400" indent="0">
+              <a:defRPr sz="1100">
+                <a:solidFill>
+                  <a:schemeClr val="dk1"/>
+                </a:solidFill>
+                <a:latin typeface="+mn-lt"/>
+                <a:ea typeface="+mn-ea"/>
+                <a:cs typeface="+mn-cs"/>
+              </a:defRPr>
+            </a:lvl8pPr>
+            <a:lvl9pPr marL="3657600" indent="0">
+              <a:defRPr sz="1100">
+                <a:solidFill>
+                  <a:schemeClr val="dk1"/>
+                </a:solidFill>
+                <a:latin typeface="+mn-lt"/>
+                <a:ea typeface="+mn-ea"/>
+                <a:cs typeface="+mn-cs"/>
+              </a:defRPr>
+            </a:lvl9pPr>
+          </a:lstStyle>
+          <a:p>
+            <a:pPr algn="ctr"/>
+            <a:r>
+              <a:rPr lang="en-US" altLang="zh-CN" sz="1100" b="1" dirty="0" err="1" smtClean="0"/>
+              <a:t>UnitOfWork</a:t>
+            </a:r>
+            <a:endParaRPr lang="en-US" altLang="zh-CN" sz="1100" b="1" baseline="0" dirty="0"/>
+          </a:p>
+          <a:p>
+            <a:pPr algn="ctr"/>
+            <a:endParaRPr lang="zh-CN" altLang="en-US" sz="1100" dirty="0"/>
+          </a:p>
+        </p:txBody>
+      </p:sp>
+      <p:sp>
+        <p:nvSpPr>
+          <p:cNvPr id="30" name="矩形 29"/>
+          <p:cNvSpPr/>
+          <p:nvPr/>
+        </p:nvSpPr>
+        <p:spPr>
+          <a:xfrm>
+            <a:off x="2699792" y="3933056"/>
+            <a:ext cx="4176464" cy="351656"/>
+          </a:xfrm>
+          <a:prstGeom prst="rect">
+            <a:avLst/>
+          </a:prstGeom>
+        </p:spPr>
+        <p:style>
+          <a:lnRef idx="2">
+            <a:schemeClr val="accent3">
+              <a:shade val="50000"/>
+            </a:schemeClr>
+          </a:lnRef>
+          <a:fillRef idx="1">
+            <a:schemeClr val="accent3"/>
+          </a:fillRef>
+          <a:effectRef idx="0">
+            <a:schemeClr val="accent3"/>
+          </a:effectRef>
+          <a:fontRef idx="minor">
+            <a:schemeClr val="lt1"/>
+          </a:fontRef>
+        </p:style>
+        <p:txBody>
+          <a:bodyPr rtlCol="0" anchor="t"/>
+          <a:lstStyle>
+            <a:lvl1pPr marL="0" indent="0">
+              <a:defRPr sz="1100">
+                <a:solidFill>
+                  <a:schemeClr val="dk1"/>
+                </a:solidFill>
+                <a:latin typeface="+mn-lt"/>
+                <a:ea typeface="+mn-ea"/>
+                <a:cs typeface="+mn-cs"/>
+              </a:defRPr>
+            </a:lvl1pPr>
+            <a:lvl2pPr marL="457200" indent="0">
+              <a:defRPr sz="1100">
+                <a:solidFill>
+                  <a:schemeClr val="dk1"/>
+                </a:solidFill>
+                <a:latin typeface="+mn-lt"/>
+                <a:ea typeface="+mn-ea"/>
+                <a:cs typeface="+mn-cs"/>
+              </a:defRPr>
+            </a:lvl2pPr>
+            <a:lvl3pPr marL="914400" indent="0">
+              <a:defRPr sz="1100">
+                <a:solidFill>
+                  <a:schemeClr val="dk1"/>
+                </a:solidFill>
+                <a:latin typeface="+mn-lt"/>
+                <a:ea typeface="+mn-ea"/>
+                <a:cs typeface="+mn-cs"/>
+              </a:defRPr>
+            </a:lvl3pPr>
+            <a:lvl4pPr marL="1371600" indent="0">
+              <a:defRPr sz="1100">
+                <a:solidFill>
+                  <a:schemeClr val="dk1"/>
+                </a:solidFill>
+                <a:latin typeface="+mn-lt"/>
+                <a:ea typeface="+mn-ea"/>
+                <a:cs typeface="+mn-cs"/>
+              </a:defRPr>
+            </a:lvl4pPr>
+            <a:lvl5pPr marL="1828800" indent="0">
+              <a:defRPr sz="1100">
+                <a:solidFill>
+                  <a:schemeClr val="dk1"/>
+                </a:solidFill>
+                <a:latin typeface="+mn-lt"/>
+                <a:ea typeface="+mn-ea"/>
+                <a:cs typeface="+mn-cs"/>
+              </a:defRPr>
+            </a:lvl5pPr>
+            <a:lvl6pPr marL="2286000" indent="0">
+              <a:defRPr sz="1100">
+                <a:solidFill>
+                  <a:schemeClr val="dk1"/>
+                </a:solidFill>
+                <a:latin typeface="+mn-lt"/>
+                <a:ea typeface="+mn-ea"/>
+                <a:cs typeface="+mn-cs"/>
+              </a:defRPr>
+            </a:lvl6pPr>
+            <a:lvl7pPr marL="2743200" indent="0">
+              <a:defRPr sz="1100">
+                <a:solidFill>
+                  <a:schemeClr val="dk1"/>
+                </a:solidFill>
+                <a:latin typeface="+mn-lt"/>
+                <a:ea typeface="+mn-ea"/>
+                <a:cs typeface="+mn-cs"/>
+              </a:defRPr>
+            </a:lvl7pPr>
+            <a:lvl8pPr marL="3200400" indent="0">
+              <a:defRPr sz="1100">
+                <a:solidFill>
+                  <a:schemeClr val="dk1"/>
+                </a:solidFill>
+                <a:latin typeface="+mn-lt"/>
+                <a:ea typeface="+mn-ea"/>
+                <a:cs typeface="+mn-cs"/>
+              </a:defRPr>
+            </a:lvl8pPr>
+            <a:lvl9pPr marL="3657600" indent="0">
+              <a:defRPr sz="1100">
+                <a:solidFill>
+                  <a:schemeClr val="dk1"/>
+                </a:solidFill>
+                <a:latin typeface="+mn-lt"/>
+                <a:ea typeface="+mn-ea"/>
+                <a:cs typeface="+mn-cs"/>
+              </a:defRPr>
+            </a:lvl9pPr>
+          </a:lstStyle>
+          <a:p>
+            <a:pPr algn="ctr"/>
+            <a:r>
+              <a:rPr lang="en-US" altLang="zh-CN" sz="1100" b="1" dirty="0" err="1" smtClean="0"/>
+              <a:t>DBContext</a:t>
+            </a:r>
+            <a:endParaRPr lang="en-US" altLang="zh-CN" sz="1100" b="1" baseline="0" dirty="0"/>
+          </a:p>
+          <a:p>
+            <a:pPr algn="ctr"/>
+            <a:endParaRPr lang="zh-CN" altLang="en-US" sz="1100" dirty="0"/>
+          </a:p>
+        </p:txBody>
+      </p:sp>
+      <p:sp>
+        <p:nvSpPr>
+          <p:cNvPr id="31" name="左右箭头 30"/>
+          <p:cNvSpPr/>
+          <p:nvPr/>
+        </p:nvSpPr>
+        <p:spPr>
+          <a:xfrm rot="5400000">
+            <a:off x="4608004" y="5121188"/>
+            <a:ext cx="432048" cy="216024"/>
+          </a:xfrm>
+          <a:prstGeom prst="leftRightArrow">
+            <a:avLst/>
+          </a:prstGeom>
+        </p:spPr>
+        <p:style>
+          <a:lnRef idx="2">
+            <a:schemeClr val="accent4"/>
+          </a:lnRef>
+          <a:fillRef idx="1">
+            <a:schemeClr val="lt1"/>
+          </a:fillRef>
+          <a:effectRef idx="0">
+            <a:schemeClr val="accent4"/>
+          </a:effectRef>
+          <a:fontRef idx="minor">
+            <a:schemeClr val="dk1"/>
+          </a:fontRef>
+        </p:style>
+        <p:txBody>
+          <a:bodyPr rtlCol="0" anchor="ctr"/>
+          <a:lstStyle>
+            <a:lvl1pPr marL="0" indent="0">
+              <a:defRPr sz="1100">
+                <a:solidFill>
+                  <a:schemeClr val="dk1"/>
+                </a:solidFill>
+                <a:latin typeface="+mn-lt"/>
+                <a:ea typeface="+mn-ea"/>
+                <a:cs typeface="+mn-cs"/>
+              </a:defRPr>
+            </a:lvl1pPr>
+            <a:lvl2pPr marL="457200" indent="0">
+              <a:defRPr sz="1100">
+                <a:solidFill>
+                  <a:schemeClr val="dk1"/>
+                </a:solidFill>
+                <a:latin typeface="+mn-lt"/>
+                <a:ea typeface="+mn-ea"/>
+                <a:cs typeface="+mn-cs"/>
+              </a:defRPr>
+            </a:lvl2pPr>
+            <a:lvl3pPr marL="914400" indent="0">
+              <a:defRPr sz="1100">
+                <a:solidFill>
+                  <a:schemeClr val="dk1"/>
+                </a:solidFill>
+                <a:latin typeface="+mn-lt"/>
+                <a:ea typeface="+mn-ea"/>
+                <a:cs typeface="+mn-cs"/>
+              </a:defRPr>
+            </a:lvl3pPr>
+            <a:lvl4pPr marL="1371600" indent="0">
+              <a:defRPr sz="1100">
+                <a:solidFill>
+                  <a:schemeClr val="dk1"/>
+                </a:solidFill>
+                <a:latin typeface="+mn-lt"/>
+                <a:ea typeface="+mn-ea"/>
+                <a:cs typeface="+mn-cs"/>
+              </a:defRPr>
+            </a:lvl4pPr>
+            <a:lvl5pPr marL="1828800" indent="0">
+              <a:defRPr sz="1100">
+                <a:solidFill>
+                  <a:schemeClr val="dk1"/>
+                </a:solidFill>
+                <a:latin typeface="+mn-lt"/>
+                <a:ea typeface="+mn-ea"/>
+                <a:cs typeface="+mn-cs"/>
+              </a:defRPr>
+            </a:lvl5pPr>
+            <a:lvl6pPr marL="2286000" indent="0">
+              <a:defRPr sz="1100">
+                <a:solidFill>
+                  <a:schemeClr val="dk1"/>
+                </a:solidFill>
+                <a:latin typeface="+mn-lt"/>
+                <a:ea typeface="+mn-ea"/>
+                <a:cs typeface="+mn-cs"/>
+              </a:defRPr>
+            </a:lvl6pPr>
+            <a:lvl7pPr marL="2743200" indent="0">
+              <a:defRPr sz="1100">
+                <a:solidFill>
+                  <a:schemeClr val="dk1"/>
+                </a:solidFill>
+                <a:latin typeface="+mn-lt"/>
+                <a:ea typeface="+mn-ea"/>
+                <a:cs typeface="+mn-cs"/>
+              </a:defRPr>
+            </a:lvl7pPr>
+            <a:lvl8pPr marL="3200400" indent="0">
+              <a:defRPr sz="1100">
+                <a:solidFill>
+                  <a:schemeClr val="dk1"/>
+                </a:solidFill>
+                <a:latin typeface="+mn-lt"/>
+                <a:ea typeface="+mn-ea"/>
+                <a:cs typeface="+mn-cs"/>
+              </a:defRPr>
+            </a:lvl8pPr>
+            <a:lvl9pPr marL="3657600" indent="0">
+              <a:defRPr sz="1100">
+                <a:solidFill>
+                  <a:schemeClr val="dk1"/>
+                </a:solidFill>
+                <a:latin typeface="+mn-lt"/>
+                <a:ea typeface="+mn-ea"/>
+                <a:cs typeface="+mn-cs"/>
+              </a:defRPr>
+            </a:lvl9pPr>
+          </a:lstStyle>
+          <a:p>
+            <a:pPr algn="ctr"/>
+            <a:endParaRPr lang="zh-CN" altLang="en-US" sz="1100"/>
+          </a:p>
+        </p:txBody>
+      </p:sp>
+      <p:sp>
+        <p:nvSpPr>
+          <p:cNvPr id="32" name="矩形 31"/>
+          <p:cNvSpPr/>
+          <p:nvPr/>
+        </p:nvSpPr>
+        <p:spPr>
+          <a:xfrm>
+            <a:off x="2699792" y="3068960"/>
+            <a:ext cx="1152128" cy="720080"/>
+          </a:xfrm>
+          <a:prstGeom prst="rect">
+            <a:avLst/>
+          </a:prstGeom>
+        </p:spPr>
+        <p:style>
+          <a:lnRef idx="2">
+            <a:schemeClr val="accent3">
+              <a:shade val="50000"/>
+            </a:schemeClr>
+          </a:lnRef>
+          <a:fillRef idx="1">
+            <a:schemeClr val="accent3"/>
+          </a:fillRef>
+          <a:effectRef idx="0">
+            <a:schemeClr val="accent3"/>
+          </a:effectRef>
+          <a:fontRef idx="minor">
+            <a:schemeClr val="lt1"/>
+          </a:fontRef>
+        </p:style>
+        <p:txBody>
+          <a:bodyPr rtlCol="0" anchor="t"/>
+          <a:lstStyle>
+            <a:lvl1pPr marL="0" indent="0">
+              <a:defRPr sz="1100">
+                <a:solidFill>
+                  <a:schemeClr val="dk1"/>
+                </a:solidFill>
+                <a:latin typeface="+mn-lt"/>
+                <a:ea typeface="+mn-ea"/>
+                <a:cs typeface="+mn-cs"/>
+              </a:defRPr>
+            </a:lvl1pPr>
+            <a:lvl2pPr marL="457200" indent="0">
+              <a:defRPr sz="1100">
+                <a:solidFill>
+                  <a:schemeClr val="dk1"/>
+                </a:solidFill>
+                <a:latin typeface="+mn-lt"/>
+                <a:ea typeface="+mn-ea"/>
+                <a:cs typeface="+mn-cs"/>
+              </a:defRPr>
+            </a:lvl2pPr>
+            <a:lvl3pPr marL="914400" indent="0">
+              <a:defRPr sz="1100">
+                <a:solidFill>
+                  <a:schemeClr val="dk1"/>
+                </a:solidFill>
+                <a:latin typeface="+mn-lt"/>
+                <a:ea typeface="+mn-ea"/>
+                <a:cs typeface="+mn-cs"/>
+              </a:defRPr>
+            </a:lvl3pPr>
+            <a:lvl4pPr marL="1371600" indent="0">
+              <a:defRPr sz="1100">
+                <a:solidFill>
+                  <a:schemeClr val="dk1"/>
+                </a:solidFill>
+                <a:latin typeface="+mn-lt"/>
+                <a:ea typeface="+mn-ea"/>
+                <a:cs typeface="+mn-cs"/>
+              </a:defRPr>
+            </a:lvl4pPr>
+            <a:lvl5pPr marL="1828800" indent="0">
+              <a:defRPr sz="1100">
+                <a:solidFill>
+                  <a:schemeClr val="dk1"/>
+                </a:solidFill>
+                <a:latin typeface="+mn-lt"/>
+                <a:ea typeface="+mn-ea"/>
+                <a:cs typeface="+mn-cs"/>
+              </a:defRPr>
+            </a:lvl5pPr>
+            <a:lvl6pPr marL="2286000" indent="0">
+              <a:defRPr sz="1100">
+                <a:solidFill>
+                  <a:schemeClr val="dk1"/>
+                </a:solidFill>
+                <a:latin typeface="+mn-lt"/>
+                <a:ea typeface="+mn-ea"/>
+                <a:cs typeface="+mn-cs"/>
+              </a:defRPr>
+            </a:lvl6pPr>
+            <a:lvl7pPr marL="2743200" indent="0">
+              <a:defRPr sz="1100">
+                <a:solidFill>
+                  <a:schemeClr val="dk1"/>
+                </a:solidFill>
+                <a:latin typeface="+mn-lt"/>
+                <a:ea typeface="+mn-ea"/>
+                <a:cs typeface="+mn-cs"/>
+              </a:defRPr>
+            </a:lvl7pPr>
+            <a:lvl8pPr marL="3200400" indent="0">
+              <a:defRPr sz="1100">
+                <a:solidFill>
+                  <a:schemeClr val="dk1"/>
+                </a:solidFill>
+                <a:latin typeface="+mn-lt"/>
+                <a:ea typeface="+mn-ea"/>
+                <a:cs typeface="+mn-cs"/>
+              </a:defRPr>
+            </a:lvl8pPr>
+            <a:lvl9pPr marL="3657600" indent="0">
+              <a:defRPr sz="1100">
+                <a:solidFill>
+                  <a:schemeClr val="dk1"/>
+                </a:solidFill>
+                <a:latin typeface="+mn-lt"/>
+                <a:ea typeface="+mn-ea"/>
+                <a:cs typeface="+mn-cs"/>
+              </a:defRPr>
+            </a:lvl9pPr>
+          </a:lstStyle>
+          <a:p>
+            <a:pPr algn="ctr"/>
+            <a:r>
+              <a:rPr lang="en-US" altLang="zh-CN" sz="1100" b="1" dirty="0" smtClean="0"/>
+              <a:t>Course</a:t>
+            </a:r>
+          </a:p>
+          <a:p>
+            <a:pPr algn="ctr"/>
+            <a:r>
+              <a:rPr lang="en-US" altLang="zh-CN" sz="1100" b="1" dirty="0" smtClean="0"/>
+              <a:t>Repository</a:t>
+            </a:r>
+            <a:endParaRPr lang="en-US" altLang="zh-CN" sz="1100" b="1" baseline="0" dirty="0"/>
+          </a:p>
+          <a:p>
+            <a:pPr algn="ctr"/>
+            <a:endParaRPr lang="zh-CN" altLang="en-US" sz="1100" dirty="0"/>
+          </a:p>
+        </p:txBody>
+      </p:sp>
+      <p:sp>
+        <p:nvSpPr>
+          <p:cNvPr id="33" name="矩形 32"/>
+          <p:cNvSpPr/>
+          <p:nvPr/>
+        </p:nvSpPr>
+        <p:spPr>
+          <a:xfrm>
+            <a:off x="4067944" y="3068960"/>
+            <a:ext cx="1080120" cy="720080"/>
+          </a:xfrm>
+          <a:prstGeom prst="rect">
+            <a:avLst/>
+          </a:prstGeom>
+        </p:spPr>
+        <p:style>
+          <a:lnRef idx="2">
+            <a:schemeClr val="accent3">
+              <a:shade val="50000"/>
+            </a:schemeClr>
+          </a:lnRef>
+          <a:fillRef idx="1">
+            <a:schemeClr val="accent3"/>
+          </a:fillRef>
+          <a:effectRef idx="0">
+            <a:schemeClr val="accent3"/>
+          </a:effectRef>
+          <a:fontRef idx="minor">
+            <a:schemeClr val="lt1"/>
+          </a:fontRef>
+        </p:style>
+        <p:txBody>
+          <a:bodyPr rtlCol="0" anchor="t"/>
+          <a:lstStyle>
+            <a:lvl1pPr marL="0" indent="0">
+              <a:defRPr sz="1100">
+                <a:solidFill>
+                  <a:schemeClr val="dk1"/>
+                </a:solidFill>
+                <a:latin typeface="+mn-lt"/>
+                <a:ea typeface="+mn-ea"/>
+                <a:cs typeface="+mn-cs"/>
+              </a:defRPr>
+            </a:lvl1pPr>
+            <a:lvl2pPr marL="457200" indent="0">
+              <a:defRPr sz="1100">
+                <a:solidFill>
+                  <a:schemeClr val="dk1"/>
+                </a:solidFill>
+                <a:latin typeface="+mn-lt"/>
+                <a:ea typeface="+mn-ea"/>
+                <a:cs typeface="+mn-cs"/>
+              </a:defRPr>
+            </a:lvl2pPr>
+            <a:lvl3pPr marL="914400" indent="0">
+              <a:defRPr sz="1100">
+                <a:solidFill>
+                  <a:schemeClr val="dk1"/>
+                </a:solidFill>
+                <a:latin typeface="+mn-lt"/>
+                <a:ea typeface="+mn-ea"/>
+                <a:cs typeface="+mn-cs"/>
+              </a:defRPr>
+            </a:lvl3pPr>
+            <a:lvl4pPr marL="1371600" indent="0">
+              <a:defRPr sz="1100">
+                <a:solidFill>
+                  <a:schemeClr val="dk1"/>
+                </a:solidFill>
+                <a:latin typeface="+mn-lt"/>
+                <a:ea typeface="+mn-ea"/>
+                <a:cs typeface="+mn-cs"/>
+              </a:defRPr>
+            </a:lvl4pPr>
+            <a:lvl5pPr marL="1828800" indent="0">
+              <a:defRPr sz="1100">
+                <a:solidFill>
+                  <a:schemeClr val="dk1"/>
+                </a:solidFill>
+                <a:latin typeface="+mn-lt"/>
+                <a:ea typeface="+mn-ea"/>
+                <a:cs typeface="+mn-cs"/>
+              </a:defRPr>
+            </a:lvl5pPr>
+            <a:lvl6pPr marL="2286000" indent="0">
+              <a:defRPr sz="1100">
+                <a:solidFill>
+                  <a:schemeClr val="dk1"/>
+                </a:solidFill>
+                <a:latin typeface="+mn-lt"/>
+                <a:ea typeface="+mn-ea"/>
+                <a:cs typeface="+mn-cs"/>
+              </a:defRPr>
+            </a:lvl6pPr>
+            <a:lvl7pPr marL="2743200" indent="0">
+              <a:defRPr sz="1100">
+                <a:solidFill>
+                  <a:schemeClr val="dk1"/>
+                </a:solidFill>
+                <a:latin typeface="+mn-lt"/>
+                <a:ea typeface="+mn-ea"/>
+                <a:cs typeface="+mn-cs"/>
+              </a:defRPr>
+            </a:lvl7pPr>
+            <a:lvl8pPr marL="3200400" indent="0">
+              <a:defRPr sz="1100">
+                <a:solidFill>
+                  <a:schemeClr val="dk1"/>
+                </a:solidFill>
+                <a:latin typeface="+mn-lt"/>
+                <a:ea typeface="+mn-ea"/>
+                <a:cs typeface="+mn-cs"/>
+              </a:defRPr>
+            </a:lvl8pPr>
+            <a:lvl9pPr marL="3657600" indent="0">
+              <a:defRPr sz="1100">
+                <a:solidFill>
+                  <a:schemeClr val="dk1"/>
+                </a:solidFill>
+                <a:latin typeface="+mn-lt"/>
+                <a:ea typeface="+mn-ea"/>
+                <a:cs typeface="+mn-cs"/>
+              </a:defRPr>
+            </a:lvl9pPr>
+          </a:lstStyle>
+          <a:p>
+            <a:pPr algn="ctr"/>
+            <a:r>
+              <a:rPr lang="en-US" altLang="zh-CN" b="1" dirty="0" smtClean="0"/>
+              <a:t>Registration</a:t>
+            </a:r>
+            <a:endParaRPr lang="en-US" altLang="zh-CN" sz="1100" b="1" dirty="0" smtClean="0"/>
+          </a:p>
+          <a:p>
+            <a:pPr algn="ctr"/>
+            <a:r>
+              <a:rPr lang="en-US" altLang="zh-CN" sz="1100" b="1" dirty="0" smtClean="0"/>
+              <a:t>Repository</a:t>
+            </a:r>
+            <a:endParaRPr lang="en-US" altLang="zh-CN" sz="1100" b="1" baseline="0" dirty="0"/>
+          </a:p>
+          <a:p>
+            <a:pPr algn="ctr"/>
+            <a:endParaRPr lang="zh-CN" altLang="en-US" sz="1100" dirty="0"/>
+          </a:p>
+        </p:txBody>
+      </p:sp>
+      <p:sp>
+        <p:nvSpPr>
+          <p:cNvPr id="34" name="TextBox 33"/>
+          <p:cNvSpPr txBox="1"/>
+          <p:nvPr/>
+        </p:nvSpPr>
+        <p:spPr>
+          <a:xfrm>
+            <a:off x="5436096" y="3212976"/>
+            <a:ext cx="1152128" cy="369332"/>
+          </a:xfrm>
+          <a:prstGeom prst="rect">
+            <a:avLst/>
+          </a:prstGeom>
+          <a:noFill/>
+        </p:spPr>
+        <p:txBody>
+          <a:bodyPr wrap="square" rtlCol="0">
+            <a:spAutoFit/>
+          </a:bodyPr>
+          <a:lstStyle/>
+          <a:p>
+            <a:r>
+              <a:rPr lang="en-US" altLang="zh-CN" dirty="0" smtClean="0">
+                <a:solidFill>
+                  <a:schemeClr val="bg1"/>
+                </a:solidFill>
+              </a:rPr>
+              <a:t>……</a:t>
+            </a:r>
+            <a:endParaRPr lang="zh-CN" altLang="en-US" dirty="0">
+              <a:solidFill>
+                <a:schemeClr val="bg1"/>
+              </a:solidFill>
+            </a:endParaRPr>
           </a:p>
         </p:txBody>
       </p:sp>
@@ -11169,19 +12913,14 @@
             <p:ph type="title"/>
           </p:nvPr>
         </p:nvSpPr>
-        <p:spPr>
-          <a:xfrm>
-            <a:off x="457200" y="274638"/>
-            <a:ext cx="8229600" cy="850106"/>
-          </a:xfrm>
-        </p:spPr>
+        <p:spPr/>
         <p:txBody>
           <a:bodyPr/>
           <a:lstStyle/>
           <a:p>
             <a:r>
-              <a:rPr lang="en-US" dirty="0"/>
-              <a:t>Justifications </a:t>
+              <a:rPr lang="en-US" altLang="zh-CN" dirty="0" smtClean="0"/>
+              <a:t>WCF</a:t>
             </a:r>
             <a:endParaRPr lang="zh-CN" altLang="en-US" dirty="0"/>
           </a:p>
@@ -11197,93 +12936,70 @@
             <p:ph idx="1"/>
           </p:nvPr>
         </p:nvSpPr>
-        <p:spPr>
-          <a:xfrm>
-            <a:off x="457200" y="1268760"/>
-            <a:ext cx="8229600" cy="4857403"/>
-          </a:xfrm>
-        </p:spPr>
-        <p:txBody>
-          <a:bodyPr>
-            <a:normAutofit/>
-          </a:bodyPr>
+        <p:spPr/>
+        <p:txBody>
+          <a:bodyPr/>
           <a:lstStyle/>
           <a:p>
-            <a:pPr marL="285750" indent="-285750"/>
-            <a:r>
-              <a:rPr lang="en-US" dirty="0">
-                <a:latin typeface="Corbel" panose="020B0503020204020204" pitchFamily="34" charset="0"/>
-              </a:rPr>
-              <a:t>It provides interoperability with non-WCF clients that support the WS* stack.</a:t>
-            </a:r>
-          </a:p>
-          <a:p>
-            <a:pPr marL="285750" indent="-285750"/>
-            <a:r>
-              <a:rPr lang="en-US" dirty="0">
-                <a:latin typeface="Corbel" panose="020B0503020204020204" pitchFamily="34" charset="0"/>
-              </a:rPr>
-              <a:t>It supports the WS* stack, including reliable messaging, message security, and secure transactions.</a:t>
-            </a:r>
-          </a:p>
-          <a:p>
-            <a:pPr marL="285750" indent="-285750"/>
-            <a:r>
-              <a:rPr lang="en-US" dirty="0" err="1"/>
-              <a:t>WsHttpBinding</a:t>
-            </a:r>
-            <a:r>
-              <a:rPr lang="en-US" dirty="0"/>
-              <a:t> messages are encrypted by default and achieve Message security. </a:t>
-            </a:r>
-            <a:r>
-              <a:rPr lang="en-US" dirty="0">
-                <a:latin typeface="Corbel" panose="020B0503020204020204" pitchFamily="34" charset="0"/>
-              </a:rPr>
-              <a:t>. We can also include Transport security .</a:t>
-            </a:r>
-          </a:p>
-          <a:p>
-            <a:pPr marL="285750" indent="-285750"/>
-            <a:r>
-              <a:rPr lang="en-US" dirty="0">
-                <a:latin typeface="Corbel" panose="020B0503020204020204" pitchFamily="34" charset="0"/>
-              </a:rPr>
-              <a:t>It allows the service to be hosted in IIS 5.0 or IIS 6.0.</a:t>
-            </a:r>
-          </a:p>
-          <a:p>
-            <a:pPr marL="285750" indent="-285750"/>
-            <a:r>
-              <a:rPr lang="en-US" dirty="0">
-                <a:latin typeface="Corbel" panose="020B0503020204020204" pitchFamily="34" charset="0"/>
-              </a:rPr>
-              <a:t>If you choose message security, you can use certificate, username, Windows, or issue token authentication (Windows CardSpace).</a:t>
-            </a:r>
-          </a:p>
-          <a:p>
-            <a:pPr marL="285750" indent="-285750"/>
-            <a:endParaRPr lang="en-US" dirty="0">
-              <a:latin typeface="Corbel" panose="020B0503020204020204" pitchFamily="34" charset="0"/>
-            </a:endParaRPr>
-          </a:p>
-          <a:p>
-            <a:pPr marL="285750" indent="-285750"/>
-            <a:r>
-              <a:rPr lang="en-US" dirty="0">
-                <a:latin typeface="Corbel" panose="020B0503020204020204" pitchFamily="34" charset="0"/>
-              </a:rPr>
-              <a:t>If you choose transport security, you can use certificate, Windows, or token authentication.</a:t>
-            </a:r>
-          </a:p>
-          <a:p>
-            <a:pPr marL="0" indent="0">
+            <a:r>
+              <a:rPr lang="en-US" altLang="zh-CN" dirty="0" smtClean="0"/>
+              <a:t>Functionality </a:t>
+            </a:r>
+            <a:r>
+              <a:rPr lang="en-US" altLang="zh-CN" dirty="0" smtClean="0"/>
+              <a:t>implementation</a:t>
+            </a:r>
+            <a:endParaRPr lang="en-US" altLang="zh-CN" dirty="0" smtClean="0"/>
+          </a:p>
+          <a:p>
+            <a:pPr lvl="1"/>
+            <a:r>
+              <a:rPr lang="en-US" altLang="zh-CN" dirty="0" smtClean="0"/>
+              <a:t>Course </a:t>
+            </a:r>
+            <a:r>
+              <a:rPr lang="en-US" altLang="zh-CN" dirty="0" smtClean="0"/>
+              <a:t>Registration </a:t>
+            </a:r>
+            <a:endParaRPr lang="en-US" altLang="zh-CN" dirty="0" smtClean="0"/>
+          </a:p>
+          <a:p>
+            <a:pPr lvl="1"/>
+            <a:r>
+              <a:rPr lang="en-US" altLang="zh-CN" dirty="0" smtClean="0"/>
+              <a:t>Attendance </a:t>
+            </a:r>
+            <a:r>
+              <a:rPr lang="en-US" altLang="zh-CN" dirty="0" smtClean="0"/>
+              <a:t>System</a:t>
+            </a:r>
+            <a:endParaRPr lang="en-US" altLang="zh-CN" dirty="0" smtClean="0"/>
+          </a:p>
+          <a:p>
+            <a:pPr>
               <a:buNone/>
             </a:pPr>
+            <a:r>
+              <a:rPr lang="en-US" altLang="zh-CN" dirty="0" smtClean="0"/>
+              <a:t>	</a:t>
+            </a:r>
             <a:endParaRPr lang="en-US" altLang="zh-CN" dirty="0" smtClean="0"/>
           </a:p>
           <a:p>
-            <a:endParaRPr lang="zh-CN" altLang="en-US" dirty="0"/>
+            <a:r>
+              <a:rPr lang="en-US" altLang="zh-CN" dirty="0" smtClean="0"/>
+              <a:t>Functionality Demo</a:t>
+            </a:r>
+          </a:p>
+          <a:p>
+            <a:endParaRPr lang="en-US" altLang="zh-CN" dirty="0" smtClean="0"/>
+          </a:p>
+          <a:p>
+            <a:r>
+              <a:rPr lang="en-US" altLang="zh-CN" dirty="0" smtClean="0"/>
+              <a:t>Host &amp; Configuration</a:t>
+            </a:r>
+            <a:endParaRPr lang="en-US" altLang="zh-CN" dirty="0" smtClean="0"/>
           </a:p>
         </p:txBody>
       </p:sp>
@@ -11321,7 +13037,7 @@
       </p:grpSpPr>
       <p:sp>
         <p:nvSpPr>
-          <p:cNvPr id="2" name="Title 1"/>
+          <p:cNvPr id="2" name="标题 1"/>
           <p:cNvSpPr>
             <a:spLocks noGrp="1"/>
           </p:cNvSpPr>
@@ -11331,59 +13047,123 @@
         </p:nvSpPr>
         <p:spPr>
           <a:xfrm>
-            <a:off x="628650" y="548681"/>
-            <a:ext cx="7886700" cy="720079"/>
+            <a:off x="457200" y="274638"/>
+            <a:ext cx="8229600" cy="850106"/>
           </a:xfrm>
         </p:spPr>
         <p:txBody>
+          <a:bodyPr/>
+          <a:lstStyle/>
+          <a:p>
+            <a:r>
+              <a:rPr lang="en-US" dirty="0"/>
+              <a:t>Justifications </a:t>
+            </a:r>
+            <a:endParaRPr lang="zh-CN" altLang="en-US" dirty="0"/>
+          </a:p>
+        </p:txBody>
+      </p:sp>
+      <p:sp>
+        <p:nvSpPr>
+          <p:cNvPr id="3" name="内容占位符 2"/>
+          <p:cNvSpPr>
+            <a:spLocks noGrp="1"/>
+          </p:cNvSpPr>
+          <p:nvPr>
+            <p:ph idx="1"/>
+          </p:nvPr>
+        </p:nvSpPr>
+        <p:spPr>
+          <a:xfrm>
+            <a:off x="457200" y="1268760"/>
+            <a:ext cx="8229600" cy="4857403"/>
+          </a:xfrm>
+        </p:spPr>
+        <p:txBody>
           <a:bodyPr>
-            <a:normAutofit fontScale="90000"/>
+            <a:normAutofit/>
           </a:bodyPr>
           <a:lstStyle/>
           <a:p>
-            <a:r>
-              <a:rPr lang="en-US" dirty="0" smtClean="0"/>
-              <a:t>Binding Decision Tree</a:t>
-            </a:r>
-            <a:endParaRPr lang="en-US" dirty="0"/>
-          </a:p>
-        </p:txBody>
-      </p:sp>
-      <p:pic>
-        <p:nvPicPr>
-          <p:cNvPr id="4" name="Content Placeholder 3"/>
-          <p:cNvPicPr>
-            <a:picLocks noGrp="1" noChangeAspect="1"/>
-          </p:cNvPicPr>
-          <p:nvPr>
-            <p:ph idx="1"/>
-          </p:nvPr>
-        </p:nvPicPr>
-        <p:blipFill>
-          <a:blip r:embed="rId2" cstate="print">
-            <a:extLst>
-              <a:ext uri="{28A0092B-C50C-407E-A947-70E740481C1C}">
-                <a14:useLocalDpi xmlns:a14="http://schemas.microsoft.com/office/drawing/2010/main" xmlns="" val="0"/>
-              </a:ext>
-            </a:extLst>
-          </a:blip>
-          <a:stretch>
-            <a:fillRect/>
-          </a:stretch>
-        </p:blipFill>
-        <p:spPr>
-          <a:xfrm>
-            <a:off x="757451" y="1645409"/>
-            <a:ext cx="7922525" cy="4237630"/>
-          </a:xfrm>
-        </p:spPr>
-      </p:pic>
+            <a:pPr marL="285750" indent="-285750"/>
+            <a:r>
+              <a:rPr lang="en-US" dirty="0">
+                <a:latin typeface="Corbel" panose="020B0503020204020204" pitchFamily="34" charset="0"/>
+              </a:rPr>
+              <a:t>It provides interoperability with non-WCF clients that support the WS* stack.</a:t>
+            </a:r>
+          </a:p>
+          <a:p>
+            <a:pPr marL="285750" indent="-285750"/>
+            <a:r>
+              <a:rPr lang="en-US" dirty="0">
+                <a:latin typeface="Corbel" panose="020B0503020204020204" pitchFamily="34" charset="0"/>
+              </a:rPr>
+              <a:t>It supports the WS* stack, including reliable messaging, message security, and secure transactions.</a:t>
+            </a:r>
+          </a:p>
+          <a:p>
+            <a:pPr marL="285750" indent="-285750"/>
+            <a:r>
+              <a:rPr lang="en-US" dirty="0" err="1"/>
+              <a:t>WsHttpBinding</a:t>
+            </a:r>
+            <a:r>
+              <a:rPr lang="en-US" dirty="0"/>
+              <a:t> messages are encrypted by default and achieve Message security. </a:t>
+            </a:r>
+            <a:r>
+              <a:rPr lang="en-US" dirty="0">
+                <a:latin typeface="Corbel" panose="020B0503020204020204" pitchFamily="34" charset="0"/>
+              </a:rPr>
+              <a:t>. We can also include Transport security .</a:t>
+            </a:r>
+          </a:p>
+          <a:p>
+            <a:pPr marL="285750" indent="-285750"/>
+            <a:r>
+              <a:rPr lang="en-US" dirty="0">
+                <a:latin typeface="Corbel" panose="020B0503020204020204" pitchFamily="34" charset="0"/>
+              </a:rPr>
+              <a:t>It allows the service to be hosted in IIS 5.0 or IIS 6.0.</a:t>
+            </a:r>
+          </a:p>
+          <a:p>
+            <a:pPr marL="285750" indent="-285750"/>
+            <a:r>
+              <a:rPr lang="en-US" dirty="0">
+                <a:latin typeface="Corbel" panose="020B0503020204020204" pitchFamily="34" charset="0"/>
+              </a:rPr>
+              <a:t>If you choose message security, you can use certificate, username, Windows, or issue token authentication (Windows CardSpace).</a:t>
+            </a:r>
+          </a:p>
+          <a:p>
+            <a:pPr marL="285750" indent="-285750"/>
+            <a:endParaRPr lang="en-US" dirty="0">
+              <a:latin typeface="Corbel" panose="020B0503020204020204" pitchFamily="34" charset="0"/>
+            </a:endParaRPr>
+          </a:p>
+          <a:p>
+            <a:pPr marL="285750" indent="-285750"/>
+            <a:r>
+              <a:rPr lang="en-US" dirty="0">
+                <a:latin typeface="Corbel" panose="020B0503020204020204" pitchFamily="34" charset="0"/>
+              </a:rPr>
+              <a:t>If you choose transport security, you can use certificate, Windows, or token authentication.</a:t>
+            </a:r>
+          </a:p>
+          <a:p>
+            <a:pPr marL="0" indent="0">
+              <a:buNone/>
+            </a:pPr>
+            <a:endParaRPr lang="en-US" altLang="zh-CN" dirty="0" smtClean="0"/>
+          </a:p>
+          <a:p>
+            <a:endParaRPr lang="zh-CN" altLang="en-US" dirty="0"/>
+          </a:p>
+        </p:txBody>
+      </p:sp>
     </p:spTree>
-    <p:extLst>
-      <p:ext uri="{BB962C8B-B14F-4D97-AF65-F5344CB8AC3E}">
-        <p14:creationId xmlns:p14="http://schemas.microsoft.com/office/powerpoint/2010/main" xmlns="" val="1531509330"/>
-      </p:ext>
-    </p:extLst>
   </p:cSld>
   <p:clrMapOvr>
     <a:masterClrMapping/>
@@ -11417,7 +13197,7 @@
       </p:grpSpPr>
       <p:sp>
         <p:nvSpPr>
-          <p:cNvPr id="2" name="标题 1"/>
+          <p:cNvPr id="2" name="Title 1"/>
           <p:cNvSpPr>
             <a:spLocks noGrp="1"/>
           </p:cNvSpPr>
@@ -11425,52 +13205,61 @@
             <p:ph type="title"/>
           </p:nvPr>
         </p:nvSpPr>
-        <p:spPr/>
-        <p:txBody>
-          <a:bodyPr/>
+        <p:spPr>
+          <a:xfrm>
+            <a:off x="628650" y="548681"/>
+            <a:ext cx="7886700" cy="720079"/>
+          </a:xfrm>
+        </p:spPr>
+        <p:txBody>
+          <a:bodyPr>
+            <a:normAutofit fontScale="90000"/>
+          </a:bodyPr>
           <a:lstStyle/>
           <a:p>
             <a:r>
-              <a:rPr lang="en-US" altLang="zh-CN" dirty="0" smtClean="0"/>
-              <a:t>WWF</a:t>
-            </a:r>
-            <a:endParaRPr lang="zh-CN" altLang="en-US" dirty="0"/>
-          </a:p>
-        </p:txBody>
-      </p:sp>
-      <p:sp>
-        <p:nvSpPr>
-          <p:cNvPr id="3" name="内容占位符 2"/>
-          <p:cNvSpPr>
-            <a:spLocks noGrp="1"/>
-          </p:cNvSpPr>
+              <a:rPr lang="en-US" dirty="0" smtClean="0"/>
+              <a:t>Binding Decision Tree</a:t>
+            </a:r>
+            <a:endParaRPr lang="en-US" dirty="0"/>
+          </a:p>
+        </p:txBody>
+      </p:sp>
+      <p:pic>
+        <p:nvPicPr>
+          <p:cNvPr id="4" name="Content Placeholder 3"/>
+          <p:cNvPicPr>
+            <a:picLocks noGrp="1" noChangeAspect="1"/>
+          </p:cNvPicPr>
           <p:nvPr>
             <p:ph idx="1"/>
           </p:nvPr>
-        </p:nvSpPr>
-        <p:spPr/>
-        <p:txBody>
-          <a:bodyPr/>
-          <a:lstStyle/>
-          <a:p>
-            <a:r>
-              <a:rPr lang="en-US" altLang="zh-CN" dirty="0" smtClean="0"/>
-              <a:t>Course confirm process</a:t>
-            </a:r>
-          </a:p>
-          <a:p>
-            <a:endParaRPr lang="en-US" altLang="zh-CN" dirty="0" smtClean="0"/>
-          </a:p>
-          <a:p>
-            <a:r>
-              <a:rPr lang="en-US" altLang="zh-CN" dirty="0" smtClean="0"/>
-              <a:t>Course completion process</a:t>
-            </a:r>
-            <a:endParaRPr lang="zh-CN" altLang="en-US" dirty="0"/>
-          </a:p>
-        </p:txBody>
-      </p:sp>
+        </p:nvPicPr>
+        <p:blipFill>
+          <a:blip r:embed="rId2" cstate="print">
+            <a:extLst>
+              <a:ext uri="{28A0092B-C50C-407E-A947-70E740481C1C}">
+                <a14:useLocalDpi xmlns="" xmlns:a14="http://schemas.microsoft.com/office/drawing/2010/main" val="0"/>
+              </a:ext>
+            </a:extLst>
+          </a:blip>
+          <a:stretch>
+            <a:fillRect/>
+          </a:stretch>
+        </p:blipFill>
+        <p:spPr>
+          <a:xfrm>
+            <a:off x="757451" y="1645409"/>
+            <a:ext cx="7922525" cy="4237630"/>
+          </a:xfrm>
+        </p:spPr>
+      </p:pic>
     </p:spTree>
+    <p:extLst>
+      <p:ext uri="{BB962C8B-B14F-4D97-AF65-F5344CB8AC3E}">
+        <p14:creationId xmlns="" xmlns:p14="http://schemas.microsoft.com/office/powerpoint/2010/main" val="1531509330"/>
+      </p:ext>
+    </p:extLst>
   </p:cSld>
   <p:clrMapOvr>
     <a:masterClrMapping/>
@@ -11745,7 +13534,7 @@
   <a:extraClrSchemeLst/>
   <a:extLst>
     <a:ext uri="{05A4C25C-085E-4340-85A3-A5531E510DB2}">
-      <thm15:themeFamily xmlns:thm15="http://schemas.microsoft.com/office/thememl/2012/main" xmlns="" name="Ion" id="{B8441ADB-2E43-4AF7-B97A-BD870242C6A8}" vid="{292E63A9-BB86-4E3D-B92A-7223C6510D2E}"/>
+      <thm15:themeFamily xmlns="" xmlns:thm15="http://schemas.microsoft.com/office/thememl/2012/main" name="Ion" id="{B8441ADB-2E43-4AF7-B97A-BD870242C6A8}" vid="{292E63A9-BB86-4E3D-B92A-7223C6510D2E}"/>
     </a:ext>
   </a:extLst>
 </a:theme>
